--- a/Micropython_20200613.pptx
+++ b/Micropython_20200613.pptx
@@ -5,6 +5,9 @@
     <p:sldMasterId id="2147483672" r:id="rId1"/>
     <p:sldMasterId id="2147483684" r:id="rId2"/>
   </p:sldMasterIdLst>
+  <p:notesMasterIdLst>
+    <p:notesMasterId r:id="rId41"/>
+  </p:notesMasterIdLst>
   <p:sldIdLst>
     <p:sldId id="256" r:id="rId3"/>
     <p:sldId id="257" r:id="rId4"/>
@@ -16,24 +19,34 @@
     <p:sldId id="274" r:id="rId10"/>
     <p:sldId id="264" r:id="rId11"/>
     <p:sldId id="271" r:id="rId12"/>
-    <p:sldId id="272" r:id="rId13"/>
-    <p:sldId id="266" r:id="rId14"/>
-    <p:sldId id="263" r:id="rId15"/>
-    <p:sldId id="267" r:id="rId16"/>
-    <p:sldId id="268" r:id="rId17"/>
-    <p:sldId id="269" r:id="rId18"/>
-    <p:sldId id="270" r:id="rId19"/>
-    <p:sldId id="273" r:id="rId20"/>
-    <p:sldId id="275" r:id="rId21"/>
-    <p:sldId id="276" r:id="rId22"/>
-    <p:sldId id="277" r:id="rId23"/>
-    <p:sldId id="279" r:id="rId24"/>
-    <p:sldId id="278" r:id="rId25"/>
-    <p:sldId id="280" r:id="rId26"/>
-    <p:sldId id="281" r:id="rId27"/>
-    <p:sldId id="282" r:id="rId28"/>
-    <p:sldId id="283" r:id="rId29"/>
-    <p:sldId id="284" r:id="rId30"/>
+    <p:sldId id="263" r:id="rId13"/>
+    <p:sldId id="285" r:id="rId14"/>
+    <p:sldId id="286" r:id="rId15"/>
+    <p:sldId id="287" r:id="rId16"/>
+    <p:sldId id="292" r:id="rId17"/>
+    <p:sldId id="289" r:id="rId18"/>
+    <p:sldId id="290" r:id="rId19"/>
+    <p:sldId id="296" r:id="rId20"/>
+    <p:sldId id="293" r:id="rId21"/>
+    <p:sldId id="294" r:id="rId22"/>
+    <p:sldId id="295" r:id="rId23"/>
+    <p:sldId id="268" r:id="rId24"/>
+    <p:sldId id="269" r:id="rId25"/>
+    <p:sldId id="270" r:id="rId26"/>
+    <p:sldId id="273" r:id="rId27"/>
+    <p:sldId id="275" r:id="rId28"/>
+    <p:sldId id="276" r:id="rId29"/>
+    <p:sldId id="277" r:id="rId30"/>
+    <p:sldId id="297" r:id="rId31"/>
+    <p:sldId id="298" r:id="rId32"/>
+    <p:sldId id="299" r:id="rId33"/>
+    <p:sldId id="279" r:id="rId34"/>
+    <p:sldId id="278" r:id="rId35"/>
+    <p:sldId id="280" r:id="rId36"/>
+    <p:sldId id="281" r:id="rId37"/>
+    <p:sldId id="282" r:id="rId38"/>
+    <p:sldId id="283" r:id="rId39"/>
+    <p:sldId id="284" r:id="rId40"/>
   </p:sldIdLst>
   <p:sldSz cx="9144000" cy="6858000" type="screen4x3"/>
   <p:notesSz cx="6858000" cy="9144000"/>
@@ -149,6 +162,439 @@
     </p:ext>
   </p:extLst>
 </p:presentation>
+</file>
+
+<file path=ppt/notesMasters/notesMaster1.xml><?xml version="1.0" encoding="utf-8"?>
+<p:notesMaster xmlns:a="http://schemas.openxmlformats.org/drawingml/2006/main" xmlns:r="http://schemas.openxmlformats.org/officeDocument/2006/relationships" xmlns:p="http://schemas.openxmlformats.org/presentationml/2006/main">
+  <p:cSld>
+    <p:bg>
+      <p:bgRef idx="1001">
+        <a:schemeClr val="bg1"/>
+      </p:bgRef>
+    </p:bg>
+    <p:spTree>
+      <p:nvGrpSpPr>
+        <p:cNvPr id="1" name=""/>
+        <p:cNvGrpSpPr/>
+        <p:nvPr/>
+      </p:nvGrpSpPr>
+      <p:grpSpPr>
+        <a:xfrm>
+          <a:off x="0" y="0"/>
+          <a:ext cx="0" cy="0"/>
+          <a:chOff x="0" y="0"/>
+          <a:chExt cx="0" cy="0"/>
+        </a:xfrm>
+      </p:grpSpPr>
+      <p:sp>
+        <p:nvSpPr>
+          <p:cNvPr id="2" name="頁首版面配置區 1"/>
+          <p:cNvSpPr>
+            <a:spLocks noGrp="1"/>
+          </p:cNvSpPr>
+          <p:nvPr>
+            <p:ph type="hdr" sz="quarter"/>
+          </p:nvPr>
+        </p:nvSpPr>
+        <p:spPr>
+          <a:xfrm>
+            <a:off x="0" y="0"/>
+            <a:ext cx="2971800" cy="458788"/>
+          </a:xfrm>
+          <a:prstGeom prst="rect">
+            <a:avLst/>
+          </a:prstGeom>
+        </p:spPr>
+        <p:txBody>
+          <a:bodyPr vert="horz" lIns="91440" tIns="45720" rIns="91440" bIns="45720" rtlCol="0"/>
+          <a:lstStyle>
+            <a:lvl1pPr algn="l">
+              <a:defRPr sz="1200"/>
+            </a:lvl1pPr>
+          </a:lstStyle>
+          <a:p>
+            <a:endParaRPr lang="zh-TW" altLang="en-US"/>
+          </a:p>
+        </p:txBody>
+      </p:sp>
+      <p:sp>
+        <p:nvSpPr>
+          <p:cNvPr id="3" name="日期版面配置區 2"/>
+          <p:cNvSpPr>
+            <a:spLocks noGrp="1"/>
+          </p:cNvSpPr>
+          <p:nvPr>
+            <p:ph type="dt" idx="1"/>
+          </p:nvPr>
+        </p:nvSpPr>
+        <p:spPr>
+          <a:xfrm>
+            <a:off x="3884613" y="0"/>
+            <a:ext cx="2971800" cy="458788"/>
+          </a:xfrm>
+          <a:prstGeom prst="rect">
+            <a:avLst/>
+          </a:prstGeom>
+        </p:spPr>
+        <p:txBody>
+          <a:bodyPr vert="horz" lIns="91440" tIns="45720" rIns="91440" bIns="45720" rtlCol="0"/>
+          <a:lstStyle>
+            <a:lvl1pPr algn="r">
+              <a:defRPr sz="1200"/>
+            </a:lvl1pPr>
+          </a:lstStyle>
+          <a:p>
+            <a:fld id="{376DA5BF-B24B-4E9C-9CFD-745B6B6312B0}" type="datetimeFigureOut">
+              <a:rPr lang="zh-TW" altLang="en-US" smtClean="0"/>
+              <a:t>2020/6/9</a:t>
+            </a:fld>
+            <a:endParaRPr lang="zh-TW" altLang="en-US"/>
+          </a:p>
+        </p:txBody>
+      </p:sp>
+      <p:sp>
+        <p:nvSpPr>
+          <p:cNvPr id="4" name="投影片影像版面配置區 3"/>
+          <p:cNvSpPr>
+            <a:spLocks noGrp="1" noRot="1" noChangeAspect="1"/>
+          </p:cNvSpPr>
+          <p:nvPr>
+            <p:ph type="sldImg" idx="2"/>
+          </p:nvPr>
+        </p:nvSpPr>
+        <p:spPr>
+          <a:xfrm>
+            <a:off x="1371600" y="1143000"/>
+            <a:ext cx="4114800" cy="3086100"/>
+          </a:xfrm>
+          <a:prstGeom prst="rect">
+            <a:avLst/>
+          </a:prstGeom>
+          <a:noFill/>
+          <a:ln w="12700">
+            <a:solidFill>
+              <a:prstClr val="black"/>
+            </a:solidFill>
+          </a:ln>
+        </p:spPr>
+        <p:txBody>
+          <a:bodyPr vert="horz" lIns="91440" tIns="45720" rIns="91440" bIns="45720" rtlCol="0" anchor="ctr"/>
+          <a:lstStyle/>
+          <a:p>
+            <a:endParaRPr lang="zh-TW" altLang="en-US"/>
+          </a:p>
+        </p:txBody>
+      </p:sp>
+      <p:sp>
+        <p:nvSpPr>
+          <p:cNvPr id="5" name="備忘稿版面配置區 4"/>
+          <p:cNvSpPr>
+            <a:spLocks noGrp="1"/>
+          </p:cNvSpPr>
+          <p:nvPr>
+            <p:ph type="body" sz="quarter" idx="3"/>
+          </p:nvPr>
+        </p:nvSpPr>
+        <p:spPr>
+          <a:xfrm>
+            <a:off x="685800" y="4400550"/>
+            <a:ext cx="5486400" cy="3600450"/>
+          </a:xfrm>
+          <a:prstGeom prst="rect">
+            <a:avLst/>
+          </a:prstGeom>
+        </p:spPr>
+        <p:txBody>
+          <a:bodyPr vert="horz" lIns="91440" tIns="45720" rIns="91440" bIns="45720" rtlCol="0"/>
+          <a:lstStyle/>
+          <a:p>
+            <a:pPr lvl="0"/>
+            <a:r>
+              <a:rPr lang="zh-TW" altLang="en-US"/>
+              <a:t>按一下以編輯母片文字樣式</a:t>
+            </a:r>
+          </a:p>
+          <a:p>
+            <a:pPr lvl="1"/>
+            <a:r>
+              <a:rPr lang="zh-TW" altLang="en-US"/>
+              <a:t>第二層</a:t>
+            </a:r>
+          </a:p>
+          <a:p>
+            <a:pPr lvl="2"/>
+            <a:r>
+              <a:rPr lang="zh-TW" altLang="en-US"/>
+              <a:t>第三層</a:t>
+            </a:r>
+          </a:p>
+          <a:p>
+            <a:pPr lvl="3"/>
+            <a:r>
+              <a:rPr lang="zh-TW" altLang="en-US"/>
+              <a:t>第四層</a:t>
+            </a:r>
+          </a:p>
+          <a:p>
+            <a:pPr lvl="4"/>
+            <a:r>
+              <a:rPr lang="zh-TW" altLang="en-US"/>
+              <a:t>第五層</a:t>
+            </a:r>
+          </a:p>
+        </p:txBody>
+      </p:sp>
+      <p:sp>
+        <p:nvSpPr>
+          <p:cNvPr id="6" name="頁尾版面配置區 5"/>
+          <p:cNvSpPr>
+            <a:spLocks noGrp="1"/>
+          </p:cNvSpPr>
+          <p:nvPr>
+            <p:ph type="ftr" sz="quarter" idx="4"/>
+          </p:nvPr>
+        </p:nvSpPr>
+        <p:spPr>
+          <a:xfrm>
+            <a:off x="0" y="8685213"/>
+            <a:ext cx="2971800" cy="458787"/>
+          </a:xfrm>
+          <a:prstGeom prst="rect">
+            <a:avLst/>
+          </a:prstGeom>
+        </p:spPr>
+        <p:txBody>
+          <a:bodyPr vert="horz" lIns="91440" tIns="45720" rIns="91440" bIns="45720" rtlCol="0" anchor="b"/>
+          <a:lstStyle>
+            <a:lvl1pPr algn="l">
+              <a:defRPr sz="1200"/>
+            </a:lvl1pPr>
+          </a:lstStyle>
+          <a:p>
+            <a:endParaRPr lang="zh-TW" altLang="en-US"/>
+          </a:p>
+        </p:txBody>
+      </p:sp>
+      <p:sp>
+        <p:nvSpPr>
+          <p:cNvPr id="7" name="投影片編號版面配置區 6"/>
+          <p:cNvSpPr>
+            <a:spLocks noGrp="1"/>
+          </p:cNvSpPr>
+          <p:nvPr>
+            <p:ph type="sldNum" sz="quarter" idx="5"/>
+          </p:nvPr>
+        </p:nvSpPr>
+        <p:spPr>
+          <a:xfrm>
+            <a:off x="3884613" y="8685213"/>
+            <a:ext cx="2971800" cy="458787"/>
+          </a:xfrm>
+          <a:prstGeom prst="rect">
+            <a:avLst/>
+          </a:prstGeom>
+        </p:spPr>
+        <p:txBody>
+          <a:bodyPr vert="horz" lIns="91440" tIns="45720" rIns="91440" bIns="45720" rtlCol="0" anchor="b"/>
+          <a:lstStyle>
+            <a:lvl1pPr algn="r">
+              <a:defRPr sz="1200"/>
+            </a:lvl1pPr>
+          </a:lstStyle>
+          <a:p>
+            <a:fld id="{BE01208B-D988-4ED2-8C88-FF6E72F6BE20}" type="slidenum">
+              <a:rPr lang="zh-TW" altLang="en-US" smtClean="0"/>
+              <a:t>‹#›</a:t>
+            </a:fld>
+            <a:endParaRPr lang="zh-TW" altLang="en-US"/>
+          </a:p>
+        </p:txBody>
+      </p:sp>
+    </p:spTree>
+    <p:extLst>
+      <p:ext uri="{BB962C8B-B14F-4D97-AF65-F5344CB8AC3E}">
+        <p14:creationId xmlns:p14="http://schemas.microsoft.com/office/powerpoint/2010/main" val="1414317489"/>
+      </p:ext>
+    </p:extLst>
+  </p:cSld>
+  <p:clrMap bg1="lt1" tx1="dk1" bg2="lt2" tx2="dk2" accent1="accent1" accent2="accent2" accent3="accent3" accent4="accent4" accent5="accent5" accent6="accent6" hlink="hlink" folHlink="folHlink"/>
+  <p:notesStyle>
+    <a:lvl1pPr marL="0" algn="l" defTabSz="914400" rtl="0" eaLnBrk="1" latinLnBrk="0" hangingPunct="1">
+      <a:defRPr sz="1200" kern="1200">
+        <a:solidFill>
+          <a:schemeClr val="tx1"/>
+        </a:solidFill>
+        <a:latin typeface="+mn-lt"/>
+        <a:ea typeface="+mn-ea"/>
+        <a:cs typeface="+mn-cs"/>
+      </a:defRPr>
+    </a:lvl1pPr>
+    <a:lvl2pPr marL="457200" algn="l" defTabSz="914400" rtl="0" eaLnBrk="1" latinLnBrk="0" hangingPunct="1">
+      <a:defRPr sz="1200" kern="1200">
+        <a:solidFill>
+          <a:schemeClr val="tx1"/>
+        </a:solidFill>
+        <a:latin typeface="+mn-lt"/>
+        <a:ea typeface="+mn-ea"/>
+        <a:cs typeface="+mn-cs"/>
+      </a:defRPr>
+    </a:lvl2pPr>
+    <a:lvl3pPr marL="914400" algn="l" defTabSz="914400" rtl="0" eaLnBrk="1" latinLnBrk="0" hangingPunct="1">
+      <a:defRPr sz="1200" kern="1200">
+        <a:solidFill>
+          <a:schemeClr val="tx1"/>
+        </a:solidFill>
+        <a:latin typeface="+mn-lt"/>
+        <a:ea typeface="+mn-ea"/>
+        <a:cs typeface="+mn-cs"/>
+      </a:defRPr>
+    </a:lvl3pPr>
+    <a:lvl4pPr marL="1371600" algn="l" defTabSz="914400" rtl="0" eaLnBrk="1" latinLnBrk="0" hangingPunct="1">
+      <a:defRPr sz="1200" kern="1200">
+        <a:solidFill>
+          <a:schemeClr val="tx1"/>
+        </a:solidFill>
+        <a:latin typeface="+mn-lt"/>
+        <a:ea typeface="+mn-ea"/>
+        <a:cs typeface="+mn-cs"/>
+      </a:defRPr>
+    </a:lvl4pPr>
+    <a:lvl5pPr marL="1828800" algn="l" defTabSz="914400" rtl="0" eaLnBrk="1" latinLnBrk="0" hangingPunct="1">
+      <a:defRPr sz="1200" kern="1200">
+        <a:solidFill>
+          <a:schemeClr val="tx1"/>
+        </a:solidFill>
+        <a:latin typeface="+mn-lt"/>
+        <a:ea typeface="+mn-ea"/>
+        <a:cs typeface="+mn-cs"/>
+      </a:defRPr>
+    </a:lvl5pPr>
+    <a:lvl6pPr marL="2286000" algn="l" defTabSz="914400" rtl="0" eaLnBrk="1" latinLnBrk="0" hangingPunct="1">
+      <a:defRPr sz="1200" kern="1200">
+        <a:solidFill>
+          <a:schemeClr val="tx1"/>
+        </a:solidFill>
+        <a:latin typeface="+mn-lt"/>
+        <a:ea typeface="+mn-ea"/>
+        <a:cs typeface="+mn-cs"/>
+      </a:defRPr>
+    </a:lvl6pPr>
+    <a:lvl7pPr marL="2743200" algn="l" defTabSz="914400" rtl="0" eaLnBrk="1" latinLnBrk="0" hangingPunct="1">
+      <a:defRPr sz="1200" kern="1200">
+        <a:solidFill>
+          <a:schemeClr val="tx1"/>
+        </a:solidFill>
+        <a:latin typeface="+mn-lt"/>
+        <a:ea typeface="+mn-ea"/>
+        <a:cs typeface="+mn-cs"/>
+      </a:defRPr>
+    </a:lvl7pPr>
+    <a:lvl8pPr marL="3200400" algn="l" defTabSz="914400" rtl="0" eaLnBrk="1" latinLnBrk="0" hangingPunct="1">
+      <a:defRPr sz="1200" kern="1200">
+        <a:solidFill>
+          <a:schemeClr val="tx1"/>
+        </a:solidFill>
+        <a:latin typeface="+mn-lt"/>
+        <a:ea typeface="+mn-ea"/>
+        <a:cs typeface="+mn-cs"/>
+      </a:defRPr>
+    </a:lvl8pPr>
+    <a:lvl9pPr marL="3657600" algn="l" defTabSz="914400" rtl="0" eaLnBrk="1" latinLnBrk="0" hangingPunct="1">
+      <a:defRPr sz="1200" kern="1200">
+        <a:solidFill>
+          <a:schemeClr val="tx1"/>
+        </a:solidFill>
+        <a:latin typeface="+mn-lt"/>
+        <a:ea typeface="+mn-ea"/>
+        <a:cs typeface="+mn-cs"/>
+      </a:defRPr>
+    </a:lvl9pPr>
+  </p:notesStyle>
+</p:notesMaster>
+</file>
+
+<file path=ppt/notesSlides/notesSlide1.xml><?xml version="1.0" encoding="utf-8"?>
+<p:notes xmlns:a="http://schemas.openxmlformats.org/drawingml/2006/main" xmlns:r="http://schemas.openxmlformats.org/officeDocument/2006/relationships" xmlns:p="http://schemas.openxmlformats.org/presentationml/2006/main">
+  <p:cSld>
+    <p:spTree>
+      <p:nvGrpSpPr>
+        <p:cNvPr id="1" name=""/>
+        <p:cNvGrpSpPr/>
+        <p:nvPr/>
+      </p:nvGrpSpPr>
+      <p:grpSpPr>
+        <a:xfrm>
+          <a:off x="0" y="0"/>
+          <a:ext cx="0" cy="0"/>
+          <a:chOff x="0" y="0"/>
+          <a:chExt cx="0" cy="0"/>
+        </a:xfrm>
+      </p:grpSpPr>
+      <p:sp>
+        <p:nvSpPr>
+          <p:cNvPr id="2" name="投影片影像版面配置區 1"/>
+          <p:cNvSpPr>
+            <a:spLocks noGrp="1" noRot="1" noChangeAspect="1"/>
+          </p:cNvSpPr>
+          <p:nvPr>
+            <p:ph type="sldImg"/>
+          </p:nvPr>
+        </p:nvSpPr>
+        <p:spPr/>
+      </p:sp>
+      <p:sp>
+        <p:nvSpPr>
+          <p:cNvPr id="3" name="備忘稿版面配置區 2"/>
+          <p:cNvSpPr>
+            <a:spLocks noGrp="1"/>
+          </p:cNvSpPr>
+          <p:nvPr>
+            <p:ph type="body" idx="1"/>
+          </p:nvPr>
+        </p:nvSpPr>
+        <p:spPr/>
+        <p:txBody>
+          <a:bodyPr/>
+          <a:lstStyle/>
+          <a:p>
+            <a:endParaRPr lang="zh-TW" altLang="en-US" dirty="0"/>
+          </a:p>
+        </p:txBody>
+      </p:sp>
+      <p:sp>
+        <p:nvSpPr>
+          <p:cNvPr id="4" name="投影片編號版面配置區 3"/>
+          <p:cNvSpPr>
+            <a:spLocks noGrp="1"/>
+          </p:cNvSpPr>
+          <p:nvPr>
+            <p:ph type="sldNum" sz="quarter" idx="5"/>
+          </p:nvPr>
+        </p:nvSpPr>
+        <p:spPr/>
+        <p:txBody>
+          <a:bodyPr/>
+          <a:lstStyle/>
+          <a:p>
+            <a:fld id="{BE01208B-D988-4ED2-8C88-FF6E72F6BE20}" type="slidenum">
+              <a:rPr lang="zh-TW" altLang="en-US" smtClean="0"/>
+              <a:t>12</a:t>
+            </a:fld>
+            <a:endParaRPr lang="zh-TW" altLang="en-US"/>
+          </a:p>
+        </p:txBody>
+      </p:sp>
+    </p:spTree>
+    <p:extLst>
+      <p:ext uri="{BB962C8B-B14F-4D97-AF65-F5344CB8AC3E}">
+        <p14:creationId xmlns:p14="http://schemas.microsoft.com/office/powerpoint/2010/main" val="2097986079"/>
+      </p:ext>
+    </p:extLst>
+  </p:cSld>
+  <p:clrMapOvr>
+    <a:masterClrMapping/>
+  </p:clrMapOvr>
+</p:notes>
 </file>
 
 <file path=ppt/slideLayouts/slideLayout1.xml><?xml version="1.0" encoding="utf-8"?>
@@ -9133,506 +9579,6 @@
       </p:grpSpPr>
       <p:sp>
         <p:nvSpPr>
-          <p:cNvPr id="2" name="標題 1"/>
-          <p:cNvSpPr>
-            <a:spLocks noGrp="1"/>
-          </p:cNvSpPr>
-          <p:nvPr>
-            <p:ph type="title"/>
-          </p:nvPr>
-        </p:nvSpPr>
-        <p:spPr/>
-        <p:txBody>
-          <a:bodyPr/>
-          <a:lstStyle/>
-          <a:p>
-            <a:r>
-              <a:rPr lang="en-US" altLang="zh-TW" dirty="0" err="1"/>
-              <a:t>Winpython</a:t>
-            </a:r>
-            <a:r>
-              <a:rPr lang="zh-TW" altLang="en-US" dirty="0"/>
-              <a:t>下載</a:t>
-            </a:r>
-          </a:p>
-        </p:txBody>
-      </p:sp>
-      <p:sp>
-        <p:nvSpPr>
-          <p:cNvPr id="3" name="內容版面配置區 2"/>
-          <p:cNvSpPr>
-            <a:spLocks noGrp="1"/>
-          </p:cNvSpPr>
-          <p:nvPr>
-            <p:ph idx="1"/>
-          </p:nvPr>
-        </p:nvSpPr>
-        <p:spPr/>
-        <p:txBody>
-          <a:bodyPr/>
-          <a:lstStyle/>
-          <a:p>
-            <a:endParaRPr lang="zh-TW" altLang="en-US" dirty="0"/>
-          </a:p>
-        </p:txBody>
-      </p:sp>
-      <p:pic>
-        <p:nvPicPr>
-          <p:cNvPr id="10242" name="Picture 2"/>
-          <p:cNvPicPr>
-            <a:picLocks noChangeAspect="1" noChangeArrowheads="1"/>
-          </p:cNvPicPr>
-          <p:nvPr/>
-        </p:nvPicPr>
-        <p:blipFill>
-          <a:blip r:embed="rId2">
-            <a:extLst>
-              <a:ext uri="{28A0092B-C50C-407E-A947-70E740481C1C}">
-                <a14:useLocalDpi xmlns:a14="http://schemas.microsoft.com/office/drawing/2010/main" val="0"/>
-              </a:ext>
-            </a:extLst>
-          </a:blip>
-          <a:srcRect/>
-          <a:stretch>
-            <a:fillRect/>
-          </a:stretch>
-        </p:blipFill>
-        <p:spPr bwMode="auto">
-          <a:xfrm>
-            <a:off x="1403648" y="1988840"/>
-            <a:ext cx="6757144" cy="3767749"/>
-          </a:xfrm>
-          <a:prstGeom prst="rect">
-            <a:avLst/>
-          </a:prstGeom>
-          <a:noFill/>
-          <a:ln>
-            <a:noFill/>
-          </a:ln>
-          <a:effectLst/>
-          <a:extLst>
-            <a:ext uri="{909E8E84-426E-40DD-AFC4-6F175D3DCCD1}">
-              <a14:hiddenFill xmlns:a14="http://schemas.microsoft.com/office/drawing/2010/main">
-                <a:solidFill>
-                  <a:schemeClr val="accent1"/>
-                </a:solidFill>
-              </a14:hiddenFill>
-            </a:ext>
-            <a:ext uri="{91240B29-F687-4F45-9708-019B960494DF}">
-              <a14:hiddenLine xmlns:a14="http://schemas.microsoft.com/office/drawing/2010/main" w="9525">
-                <a:solidFill>
-                  <a:schemeClr val="tx1"/>
-                </a:solidFill>
-                <a:miter lim="800000"/>
-                <a:headEnd/>
-                <a:tailEnd/>
-              </a14:hiddenLine>
-            </a:ext>
-            <a:ext uri="{AF507438-7753-43E0-B8FC-AC1667EBCBE1}">
-              <a14:hiddenEffects xmlns:a14="http://schemas.microsoft.com/office/drawing/2010/main">
-                <a:effectLst>
-                  <a:outerShdw dist="35921" dir="2700000" algn="ctr" rotWithShape="0">
-                    <a:schemeClr val="bg2"/>
-                  </a:outerShdw>
-                </a:effectLst>
-              </a14:hiddenEffects>
-            </a:ext>
-          </a:extLst>
-        </p:spPr>
-      </p:pic>
-      <p:sp>
-        <p:nvSpPr>
-          <p:cNvPr id="4" name="矩形 3"/>
-          <p:cNvSpPr/>
-          <p:nvPr/>
-        </p:nvSpPr>
-        <p:spPr>
-          <a:xfrm>
-            <a:off x="2267744" y="2636912"/>
-            <a:ext cx="1872208" cy="432048"/>
-          </a:xfrm>
-          <a:prstGeom prst="rect">
-            <a:avLst/>
-          </a:prstGeom>
-          <a:noFill/>
-          <a:ln w="76200">
-            <a:solidFill>
-              <a:srgbClr val="FF0000"/>
-            </a:solidFill>
-          </a:ln>
-        </p:spPr>
-        <p:style>
-          <a:lnRef idx="2">
-            <a:schemeClr val="accent1">
-              <a:shade val="50000"/>
-            </a:schemeClr>
-          </a:lnRef>
-          <a:fillRef idx="1">
-            <a:schemeClr val="accent1"/>
-          </a:fillRef>
-          <a:effectRef idx="0">
-            <a:schemeClr val="accent1"/>
-          </a:effectRef>
-          <a:fontRef idx="minor">
-            <a:schemeClr val="lt1"/>
-          </a:fontRef>
-        </p:style>
-        <p:txBody>
-          <a:bodyPr rtlCol="0" anchor="ctr"/>
-          <a:lstStyle/>
-          <a:p>
-            <a:pPr algn="ctr"/>
-            <a:endParaRPr lang="zh-TW" altLang="en-US"/>
-          </a:p>
-        </p:txBody>
-      </p:sp>
-      <p:pic>
-        <p:nvPicPr>
-          <p:cNvPr id="10243" name="Picture 3"/>
-          <p:cNvPicPr>
-            <a:picLocks noChangeAspect="1" noChangeArrowheads="1"/>
-          </p:cNvPicPr>
-          <p:nvPr/>
-        </p:nvPicPr>
-        <p:blipFill>
-          <a:blip r:embed="rId3">
-            <a:extLst>
-              <a:ext uri="{28A0092B-C50C-407E-A947-70E740481C1C}">
-                <a14:useLocalDpi xmlns:a14="http://schemas.microsoft.com/office/drawing/2010/main" val="0"/>
-              </a:ext>
-            </a:extLst>
-          </a:blip>
-          <a:srcRect/>
-          <a:stretch>
-            <a:fillRect/>
-          </a:stretch>
-        </p:blipFill>
-        <p:spPr bwMode="auto">
-          <a:xfrm>
-            <a:off x="2620169" y="4797152"/>
-            <a:ext cx="1951037" cy="506413"/>
-          </a:xfrm>
-          <a:prstGeom prst="rect">
-            <a:avLst/>
-          </a:prstGeom>
-          <a:noFill/>
-          <a:ln>
-            <a:noFill/>
-          </a:ln>
-          <a:effectLst/>
-          <a:extLst>
-            <a:ext uri="{909E8E84-426E-40DD-AFC4-6F175D3DCCD1}">
-              <a14:hiddenFill xmlns:a14="http://schemas.microsoft.com/office/drawing/2010/main">
-                <a:solidFill>
-                  <a:schemeClr val="accent1"/>
-                </a:solidFill>
-              </a14:hiddenFill>
-            </a:ext>
-            <a:ext uri="{91240B29-F687-4F45-9708-019B960494DF}">
-              <a14:hiddenLine xmlns:a14="http://schemas.microsoft.com/office/drawing/2010/main" w="9525">
-                <a:solidFill>
-                  <a:schemeClr val="tx1"/>
-                </a:solidFill>
-                <a:miter lim="800000"/>
-                <a:headEnd/>
-                <a:tailEnd/>
-              </a14:hiddenLine>
-            </a:ext>
-            <a:ext uri="{AF507438-7753-43E0-B8FC-AC1667EBCBE1}">
-              <a14:hiddenEffects xmlns:a14="http://schemas.microsoft.com/office/drawing/2010/main">
-                <a:effectLst>
-                  <a:outerShdw dist="35921" dir="2700000" algn="ctr" rotWithShape="0">
-                    <a:schemeClr val="bg2"/>
-                  </a:outerShdw>
-                </a:effectLst>
-              </a14:hiddenEffects>
-            </a:ext>
-          </a:extLst>
-        </p:spPr>
-      </p:pic>
-    </p:spTree>
-    <p:extLst>
-      <p:ext uri="{BB962C8B-B14F-4D97-AF65-F5344CB8AC3E}">
-        <p14:creationId xmlns:p14="http://schemas.microsoft.com/office/powerpoint/2010/main" val="352845875"/>
-      </p:ext>
-    </p:extLst>
-  </p:cSld>
-  <p:clrMapOvr>
-    <a:masterClrMapping/>
-  </p:clrMapOvr>
-</p:sld>
-</file>
-
-<file path=ppt/slides/slide12.xml><?xml version="1.0" encoding="utf-8"?>
-<p:sld xmlns:a="http://schemas.openxmlformats.org/drawingml/2006/main" xmlns:r="http://schemas.openxmlformats.org/officeDocument/2006/relationships" xmlns:p="http://schemas.openxmlformats.org/presentationml/2006/main">
-  <p:cSld>
-    <p:spTree>
-      <p:nvGrpSpPr>
-        <p:cNvPr id="1" name=""/>
-        <p:cNvGrpSpPr/>
-        <p:nvPr/>
-      </p:nvGrpSpPr>
-      <p:grpSpPr>
-        <a:xfrm>
-          <a:off x="0" y="0"/>
-          <a:ext cx="0" cy="0"/>
-          <a:chOff x="0" y="0"/>
-          <a:chExt cx="0" cy="0"/>
-        </a:xfrm>
-      </p:grpSpPr>
-      <p:sp>
-        <p:nvSpPr>
-          <p:cNvPr id="2" name="標題 1"/>
-          <p:cNvSpPr>
-            <a:spLocks noGrp="1"/>
-          </p:cNvSpPr>
-          <p:nvPr>
-            <p:ph type="title"/>
-          </p:nvPr>
-        </p:nvSpPr>
-        <p:spPr>
-          <a:xfrm>
-            <a:off x="1115616" y="836712"/>
-            <a:ext cx="6965245" cy="1202485"/>
-          </a:xfrm>
-        </p:spPr>
-        <p:txBody>
-          <a:bodyPr/>
-          <a:lstStyle/>
-          <a:p>
-            <a:r>
-              <a:rPr lang="en-US" altLang="zh-TW" dirty="0" err="1"/>
-              <a:t>Winpython</a:t>
-            </a:r>
-            <a:r>
-              <a:rPr lang="en-US" altLang="zh-TW" dirty="0"/>
-              <a:t> 3.7</a:t>
-            </a:r>
-            <a:endParaRPr lang="zh-TW" altLang="en-US" dirty="0"/>
-          </a:p>
-        </p:txBody>
-      </p:sp>
-      <p:grpSp>
-        <p:nvGrpSpPr>
-          <p:cNvPr id="6" name="群組 5"/>
-          <p:cNvGrpSpPr/>
-          <p:nvPr/>
-        </p:nvGrpSpPr>
-        <p:grpSpPr>
-          <a:xfrm>
-            <a:off x="2608585" y="2181561"/>
-            <a:ext cx="4198763" cy="3528136"/>
-            <a:chOff x="2608585" y="2181561"/>
-            <a:chExt cx="4198763" cy="3528136"/>
-          </a:xfrm>
-        </p:grpSpPr>
-        <p:pic>
-          <p:nvPicPr>
-            <p:cNvPr id="3074" name="Picture 2"/>
-            <p:cNvPicPr>
-              <a:picLocks noChangeAspect="1" noChangeArrowheads="1"/>
-            </p:cNvPicPr>
-            <p:nvPr/>
-          </p:nvPicPr>
-          <p:blipFill>
-            <a:blip r:embed="rId2">
-              <a:extLst>
-                <a:ext uri="{28A0092B-C50C-407E-A947-70E740481C1C}">
-                  <a14:useLocalDpi xmlns:a14="http://schemas.microsoft.com/office/drawing/2010/main" val="0"/>
-                </a:ext>
-              </a:extLst>
-            </a:blip>
-            <a:srcRect/>
-            <a:stretch>
-              <a:fillRect/>
-            </a:stretch>
-          </p:blipFill>
-          <p:spPr bwMode="auto">
-            <a:xfrm>
-              <a:off x="2627784" y="2181561"/>
-              <a:ext cx="4179564" cy="3528136"/>
-            </a:xfrm>
-            <a:prstGeom prst="rect">
-              <a:avLst/>
-            </a:prstGeom>
-            <a:noFill/>
-            <a:ln>
-              <a:noFill/>
-            </a:ln>
-            <a:effectLst/>
-            <a:extLst>
-              <a:ext uri="{909E8E84-426E-40DD-AFC4-6F175D3DCCD1}">
-                <a14:hiddenFill xmlns:a14="http://schemas.microsoft.com/office/drawing/2010/main">
-                  <a:solidFill>
-                    <a:schemeClr val="accent1"/>
-                  </a:solidFill>
-                </a14:hiddenFill>
-              </a:ext>
-              <a:ext uri="{91240B29-F687-4F45-9708-019B960494DF}">
-                <a14:hiddenLine xmlns:a14="http://schemas.microsoft.com/office/drawing/2010/main" w="9525">
-                  <a:solidFill>
-                    <a:schemeClr val="tx1"/>
-                  </a:solidFill>
-                  <a:miter lim="800000"/>
-                  <a:headEnd/>
-                  <a:tailEnd/>
-                </a14:hiddenLine>
-              </a:ext>
-              <a:ext uri="{AF507438-7753-43E0-B8FC-AC1667EBCBE1}">
-                <a14:hiddenEffects xmlns:a14="http://schemas.microsoft.com/office/drawing/2010/main">
-                  <a:effectLst>
-                    <a:outerShdw dist="35921" dir="2700000" algn="ctr" rotWithShape="0">
-                      <a:schemeClr val="bg2"/>
-                    </a:outerShdw>
-                  </a:effectLst>
-                </a14:hiddenEffects>
-              </a:ext>
-            </a:extLst>
-          </p:spPr>
-        </p:pic>
-        <p:sp>
-          <p:nvSpPr>
-            <p:cNvPr id="4" name="橢圓 3"/>
-            <p:cNvSpPr/>
-            <p:nvPr/>
-          </p:nvSpPr>
-          <p:spPr>
-            <a:xfrm>
-              <a:off x="2627784" y="4941168"/>
-              <a:ext cx="1584176" cy="258908"/>
-            </a:xfrm>
-            <a:prstGeom prst="ellipse">
-              <a:avLst/>
-            </a:prstGeom>
-            <a:noFill/>
-            <a:ln>
-              <a:solidFill>
-                <a:srgbClr val="FF0000"/>
-              </a:solidFill>
-            </a:ln>
-          </p:spPr>
-          <p:style>
-            <a:lnRef idx="2">
-              <a:schemeClr val="accent1">
-                <a:shade val="50000"/>
-              </a:schemeClr>
-            </a:lnRef>
-            <a:fillRef idx="1">
-              <a:schemeClr val="accent1"/>
-            </a:fillRef>
-            <a:effectRef idx="0">
-              <a:schemeClr val="accent1"/>
-            </a:effectRef>
-            <a:fontRef idx="minor">
-              <a:schemeClr val="lt1"/>
-            </a:fontRef>
-          </p:style>
-          <p:txBody>
-            <a:bodyPr rtlCol="0" anchor="ctr"/>
-            <a:lstStyle/>
-            <a:p>
-              <a:pPr algn="ctr"/>
-              <a:endParaRPr lang="zh-TW" altLang="en-US"/>
-            </a:p>
-          </p:txBody>
-        </p:sp>
-        <p:pic>
-          <p:nvPicPr>
-            <p:cNvPr id="3075" name="Picture 3"/>
-            <p:cNvPicPr>
-              <a:picLocks noChangeAspect="1" noChangeArrowheads="1"/>
-            </p:cNvPicPr>
-            <p:nvPr/>
-          </p:nvPicPr>
-          <p:blipFill>
-            <a:blip r:embed="rId3">
-              <a:extLst>
-                <a:ext uri="{28A0092B-C50C-407E-A947-70E740481C1C}">
-                  <a14:useLocalDpi xmlns:a14="http://schemas.microsoft.com/office/drawing/2010/main" val="0"/>
-                </a:ext>
-              </a:extLst>
-            </a:blip>
-            <a:srcRect/>
-            <a:stretch>
-              <a:fillRect/>
-            </a:stretch>
-          </p:blipFill>
-          <p:spPr bwMode="auto">
-            <a:xfrm>
-              <a:off x="2608585" y="3829741"/>
-              <a:ext cx="1603375" cy="231775"/>
-            </a:xfrm>
-            <a:prstGeom prst="rect">
-              <a:avLst/>
-            </a:prstGeom>
-            <a:noFill/>
-            <a:ln>
-              <a:noFill/>
-            </a:ln>
-            <a:effectLst/>
-            <a:extLst>
-              <a:ext uri="{909E8E84-426E-40DD-AFC4-6F175D3DCCD1}">
-                <a14:hiddenFill xmlns:a14="http://schemas.microsoft.com/office/drawing/2010/main">
-                  <a:solidFill>
-                    <a:schemeClr val="accent1"/>
-                  </a:solidFill>
-                </a14:hiddenFill>
-              </a:ext>
-              <a:ext uri="{91240B29-F687-4F45-9708-019B960494DF}">
-                <a14:hiddenLine xmlns:a14="http://schemas.microsoft.com/office/drawing/2010/main" w="9525">
-                  <a:solidFill>
-                    <a:schemeClr val="tx1"/>
-                  </a:solidFill>
-                  <a:miter lim="800000"/>
-                  <a:headEnd/>
-                  <a:tailEnd/>
-                </a14:hiddenLine>
-              </a:ext>
-              <a:ext uri="{AF507438-7753-43E0-B8FC-AC1667EBCBE1}">
-                <a14:hiddenEffects xmlns:a14="http://schemas.microsoft.com/office/drawing/2010/main">
-                  <a:effectLst>
-                    <a:outerShdw dist="35921" dir="2700000" algn="ctr" rotWithShape="0">
-                      <a:schemeClr val="bg2"/>
-                    </a:outerShdw>
-                  </a:effectLst>
-                </a14:hiddenEffects>
-              </a:ext>
-            </a:extLst>
-          </p:spPr>
-        </p:pic>
-      </p:grpSp>
-    </p:spTree>
-    <p:extLst>
-      <p:ext uri="{BB962C8B-B14F-4D97-AF65-F5344CB8AC3E}">
-        <p14:creationId xmlns:p14="http://schemas.microsoft.com/office/powerpoint/2010/main" val="3259467824"/>
-      </p:ext>
-    </p:extLst>
-  </p:cSld>
-  <p:clrMapOvr>
-    <a:masterClrMapping/>
-  </p:clrMapOvr>
-</p:sld>
-</file>
-
-<file path=ppt/slides/slide13.xml><?xml version="1.0" encoding="utf-8"?>
-<p:sld xmlns:a="http://schemas.openxmlformats.org/drawingml/2006/main" xmlns:r="http://schemas.openxmlformats.org/officeDocument/2006/relationships" xmlns:p="http://schemas.openxmlformats.org/presentationml/2006/main">
-  <p:cSld>
-    <p:spTree>
-      <p:nvGrpSpPr>
-        <p:cNvPr id="1" name=""/>
-        <p:cNvGrpSpPr/>
-        <p:nvPr/>
-      </p:nvGrpSpPr>
-      <p:grpSpPr>
-        <a:xfrm>
-          <a:off x="0" y="0"/>
-          <a:ext cx="0" cy="0"/>
-          <a:chOff x="0" y="0"/>
-          <a:chExt cx="0" cy="0"/>
-        </a:xfrm>
-      </p:grpSpPr>
-      <p:sp>
-        <p:nvSpPr>
           <p:cNvPr id="14337" name="Title 1"/>
           <p:cNvSpPr>
             <a:spLocks noGrp="1" noChangeArrowheads="1"/>
@@ -10076,6 +10022,248 @@
 </p:sld>
 </file>
 
+<file path=ppt/slides/slide12.xml><?xml version="1.0" encoding="utf-8"?>
+<p:sld xmlns:a="http://schemas.openxmlformats.org/drawingml/2006/main" xmlns:r="http://schemas.openxmlformats.org/officeDocument/2006/relationships" xmlns:p="http://schemas.openxmlformats.org/presentationml/2006/main">
+  <p:cSld>
+    <p:spTree>
+      <p:nvGrpSpPr>
+        <p:cNvPr id="1" name=""/>
+        <p:cNvGrpSpPr/>
+        <p:nvPr/>
+      </p:nvGrpSpPr>
+      <p:grpSpPr>
+        <a:xfrm>
+          <a:off x="0" y="0"/>
+          <a:ext cx="0" cy="0"/>
+          <a:chOff x="0" y="0"/>
+          <a:chExt cx="0" cy="0"/>
+        </a:xfrm>
+      </p:grpSpPr>
+      <p:sp>
+        <p:nvSpPr>
+          <p:cNvPr id="2" name="標題 1">
+            <a:extLst>
+              <a:ext uri="{FF2B5EF4-FFF2-40B4-BE49-F238E27FC236}">
+                <a16:creationId xmlns:a16="http://schemas.microsoft.com/office/drawing/2014/main" id="{437F1185-BCDD-4884-A941-332083D84620}"/>
+              </a:ext>
+            </a:extLst>
+          </p:cNvPr>
+          <p:cNvSpPr>
+            <a:spLocks noGrp="1"/>
+          </p:cNvSpPr>
+          <p:nvPr>
+            <p:ph type="title"/>
+          </p:nvPr>
+        </p:nvSpPr>
+        <p:spPr/>
+        <p:txBody>
+          <a:bodyPr/>
+          <a:lstStyle/>
+          <a:p>
+            <a:r>
+              <a:rPr lang="en-US" altLang="zh-TW" dirty="0"/>
+              <a:t>Anaconda </a:t>
+            </a:r>
+            <a:r>
+              <a:rPr lang="zh-TW" altLang="en-US" dirty="0"/>
+              <a:t>安裝</a:t>
+            </a:r>
+          </a:p>
+        </p:txBody>
+      </p:sp>
+      <p:pic>
+        <p:nvPicPr>
+          <p:cNvPr id="5" name="內容版面配置區 4" descr="一張含有 螢幕擷取畫面 的圖片&#10;&#10;自動產生的描述">
+            <a:extLst>
+              <a:ext uri="{FF2B5EF4-FFF2-40B4-BE49-F238E27FC236}">
+                <a16:creationId xmlns:a16="http://schemas.microsoft.com/office/drawing/2014/main" id="{BE09E262-DB78-4187-8C3F-EE4DF49538AB}"/>
+              </a:ext>
+            </a:extLst>
+          </p:cNvPr>
+          <p:cNvPicPr>
+            <a:picLocks noGrp="1" noChangeAspect="1"/>
+          </p:cNvPicPr>
+          <p:nvPr>
+            <p:ph idx="1"/>
+          </p:nvPr>
+        </p:nvPicPr>
+        <p:blipFill>
+          <a:blip r:embed="rId3">
+            <a:extLst>
+              <a:ext uri="{28A0092B-C50C-407E-A947-70E740481C1C}">
+                <a14:useLocalDpi xmlns:a14="http://schemas.microsoft.com/office/drawing/2010/main" val="0"/>
+              </a:ext>
+            </a:extLst>
+          </a:blip>
+          <a:stretch>
+            <a:fillRect/>
+          </a:stretch>
+        </p:blipFill>
+        <p:spPr>
+          <a:xfrm>
+            <a:off x="457200" y="1668622"/>
+            <a:ext cx="8229600" cy="4389119"/>
+          </a:xfrm>
+        </p:spPr>
+      </p:pic>
+      <p:sp>
+        <p:nvSpPr>
+          <p:cNvPr id="6" name="矩形 5">
+            <a:extLst>
+              <a:ext uri="{FF2B5EF4-FFF2-40B4-BE49-F238E27FC236}">
+                <a16:creationId xmlns:a16="http://schemas.microsoft.com/office/drawing/2014/main" id="{2BB1526F-DEDD-41AD-AA93-E2535B16A06E}"/>
+              </a:ext>
+            </a:extLst>
+          </p:cNvPr>
+          <p:cNvSpPr/>
+          <p:nvPr/>
+        </p:nvSpPr>
+        <p:spPr>
+          <a:xfrm>
+            <a:off x="1259632" y="5589240"/>
+            <a:ext cx="648072" cy="648072"/>
+          </a:xfrm>
+          <a:prstGeom prst="rect">
+            <a:avLst/>
+          </a:prstGeom>
+          <a:noFill/>
+          <a:ln w="57150">
+            <a:solidFill>
+              <a:srgbClr val="FF0000"/>
+            </a:solidFill>
+          </a:ln>
+        </p:spPr>
+        <p:style>
+          <a:lnRef idx="2">
+            <a:schemeClr val="accent1">
+              <a:shade val="50000"/>
+            </a:schemeClr>
+          </a:lnRef>
+          <a:fillRef idx="1">
+            <a:schemeClr val="accent1"/>
+          </a:fillRef>
+          <a:effectRef idx="0">
+            <a:schemeClr val="accent1"/>
+          </a:effectRef>
+          <a:fontRef idx="minor">
+            <a:schemeClr val="lt1"/>
+          </a:fontRef>
+        </p:style>
+        <p:txBody>
+          <a:bodyPr rtlCol="0" anchor="ctr"/>
+          <a:lstStyle/>
+          <a:p>
+            <a:pPr algn="ctr"/>
+            <a:endParaRPr lang="zh-TW" altLang="en-US"/>
+          </a:p>
+        </p:txBody>
+      </p:sp>
+    </p:spTree>
+    <p:extLst>
+      <p:ext uri="{BB962C8B-B14F-4D97-AF65-F5344CB8AC3E}">
+        <p14:creationId xmlns:p14="http://schemas.microsoft.com/office/powerpoint/2010/main" val="1848612498"/>
+      </p:ext>
+    </p:extLst>
+  </p:cSld>
+  <p:clrMapOvr>
+    <a:masterClrMapping/>
+  </p:clrMapOvr>
+</p:sld>
+</file>
+
+<file path=ppt/slides/slide13.xml><?xml version="1.0" encoding="utf-8"?>
+<p:sld xmlns:a="http://schemas.openxmlformats.org/drawingml/2006/main" xmlns:r="http://schemas.openxmlformats.org/officeDocument/2006/relationships" xmlns:p="http://schemas.openxmlformats.org/presentationml/2006/main">
+  <p:cSld>
+    <p:spTree>
+      <p:nvGrpSpPr>
+        <p:cNvPr id="1" name=""/>
+        <p:cNvGrpSpPr/>
+        <p:nvPr/>
+      </p:nvGrpSpPr>
+      <p:grpSpPr>
+        <a:xfrm>
+          <a:off x="0" y="0"/>
+          <a:ext cx="0" cy="0"/>
+          <a:chOff x="0" y="0"/>
+          <a:chExt cx="0" cy="0"/>
+        </a:xfrm>
+      </p:grpSpPr>
+      <p:sp>
+        <p:nvSpPr>
+          <p:cNvPr id="2" name="標題 1">
+            <a:extLst>
+              <a:ext uri="{FF2B5EF4-FFF2-40B4-BE49-F238E27FC236}">
+                <a16:creationId xmlns:a16="http://schemas.microsoft.com/office/drawing/2014/main" id="{DCC5CE4A-AA22-42A5-AFFD-C70B63D34978}"/>
+              </a:ext>
+            </a:extLst>
+          </p:cNvPr>
+          <p:cNvSpPr>
+            <a:spLocks noGrp="1"/>
+          </p:cNvSpPr>
+          <p:nvPr>
+            <p:ph type="title"/>
+          </p:nvPr>
+        </p:nvSpPr>
+        <p:spPr/>
+        <p:txBody>
+          <a:bodyPr/>
+          <a:lstStyle/>
+          <a:p>
+            <a:r>
+              <a:rPr lang="zh-TW" altLang="en-US" dirty="0"/>
+              <a:t>建立虛擬環境</a:t>
+            </a:r>
+          </a:p>
+        </p:txBody>
+      </p:sp>
+      <p:pic>
+        <p:nvPicPr>
+          <p:cNvPr id="5" name="內容版面配置區 4" descr="一張含有 螢幕擷取畫面 的圖片&#10;&#10;自動產生的描述">
+            <a:extLst>
+              <a:ext uri="{FF2B5EF4-FFF2-40B4-BE49-F238E27FC236}">
+                <a16:creationId xmlns:a16="http://schemas.microsoft.com/office/drawing/2014/main" id="{F863E35A-1BF4-4912-A39A-3CCE21C2FF84}"/>
+              </a:ext>
+            </a:extLst>
+          </p:cNvPr>
+          <p:cNvPicPr>
+            <a:picLocks noGrp="1" noChangeAspect="1"/>
+          </p:cNvPicPr>
+          <p:nvPr>
+            <p:ph idx="1"/>
+          </p:nvPr>
+        </p:nvPicPr>
+        <p:blipFill>
+          <a:blip r:embed="rId2">
+            <a:extLst>
+              <a:ext uri="{28A0092B-C50C-407E-A947-70E740481C1C}">
+                <a14:useLocalDpi xmlns:a14="http://schemas.microsoft.com/office/drawing/2010/main" val="0"/>
+              </a:ext>
+            </a:extLst>
+          </a:blip>
+          <a:stretch>
+            <a:fillRect/>
+          </a:stretch>
+        </p:blipFill>
+        <p:spPr>
+          <a:xfrm>
+            <a:off x="457200" y="1654138"/>
+            <a:ext cx="8229600" cy="4418086"/>
+          </a:xfrm>
+        </p:spPr>
+      </p:pic>
+    </p:spTree>
+    <p:extLst>
+      <p:ext uri="{BB962C8B-B14F-4D97-AF65-F5344CB8AC3E}">
+        <p14:creationId xmlns:p14="http://schemas.microsoft.com/office/powerpoint/2010/main" val="2563103860"/>
+      </p:ext>
+    </p:extLst>
+  </p:cSld>
+  <p:clrMapOvr>
+    <a:masterClrMapping/>
+  </p:clrMapOvr>
+</p:sld>
+</file>
+
 <file path=ppt/slides/slide14.xml><?xml version="1.0" encoding="utf-8"?>
 <p:sld xmlns:a="http://schemas.openxmlformats.org/drawingml/2006/main" xmlns:r="http://schemas.openxmlformats.org/officeDocument/2006/relationships" xmlns:p="http://schemas.openxmlformats.org/presentationml/2006/main">
   <p:cSld>
@@ -10095,7 +10283,13 @@
       </p:grpSpPr>
       <p:sp>
         <p:nvSpPr>
-          <p:cNvPr id="2" name="標題 1"/>
+          <p:cNvPr id="2" name="標題 1">
+            <a:extLst>
+              <a:ext uri="{FF2B5EF4-FFF2-40B4-BE49-F238E27FC236}">
+                <a16:creationId xmlns:a16="http://schemas.microsoft.com/office/drawing/2014/main" id="{DBF3C739-5021-402E-AC98-339E05B0071B}"/>
+              </a:ext>
+            </a:extLst>
+          </p:cNvPr>
           <p:cNvSpPr>
             <a:spLocks noGrp="1"/>
           </p:cNvSpPr>
@@ -10109,37 +10303,1081 @@
           <a:lstStyle/>
           <a:p>
             <a:r>
-              <a:rPr lang="zh-TW" altLang="en-US" sz="2400" dirty="0"/>
-              <a:t>進入 </a:t>
-            </a:r>
-            <a:r>
-              <a:rPr lang="en-US" altLang="zh-TW" sz="2400" dirty="0" err="1"/>
-              <a:t>Winpython</a:t>
-            </a:r>
-            <a:r>
-              <a:rPr lang="en-US" altLang="zh-TW" sz="2400" dirty="0"/>
-              <a:t> Command Prompt</a:t>
-            </a:r>
-            <a:br>
-              <a:rPr lang="en-US" altLang="zh-TW" sz="2400" dirty="0"/>
-            </a:br>
-            <a:r>
-              <a:rPr lang="zh-TW" altLang="en-US" sz="2400" dirty="0"/>
-              <a:t>執行 ：</a:t>
-            </a:r>
-            <a:r>
-              <a:rPr lang="en-US" altLang="zh-TW" sz="2400" dirty="0"/>
-              <a:t>kernel</a:t>
-            </a:r>
-            <a:endParaRPr lang="zh-TW" altLang="en-US" sz="2400" dirty="0"/>
+              <a:rPr lang="zh-TW" altLang="en-US" dirty="0"/>
+              <a:t>選擇未安裝套件</a:t>
+            </a:r>
           </a:p>
         </p:txBody>
       </p:sp>
       <p:pic>
         <p:nvPicPr>
-          <p:cNvPr id="4098" name="Picture 2"/>
+          <p:cNvPr id="5" name="內容版面配置區 4" descr="一張含有 螢幕擷取畫面 的圖片&#10;&#10;自動產生的描述">
+            <a:extLst>
+              <a:ext uri="{FF2B5EF4-FFF2-40B4-BE49-F238E27FC236}">
+                <a16:creationId xmlns:a16="http://schemas.microsoft.com/office/drawing/2014/main" id="{90F1D210-3AE5-40C4-A216-AFB2765B5DB3}"/>
+              </a:ext>
+            </a:extLst>
+          </p:cNvPr>
           <p:cNvPicPr>
-            <a:picLocks noChangeAspect="1" noChangeArrowheads="1"/>
+            <a:picLocks noGrp="1" noChangeAspect="1"/>
+          </p:cNvPicPr>
+          <p:nvPr>
+            <p:ph idx="1"/>
+          </p:nvPr>
+        </p:nvPicPr>
+        <p:blipFill>
+          <a:blip r:embed="rId2">
+            <a:extLst>
+              <a:ext uri="{28A0092B-C50C-407E-A947-70E740481C1C}">
+                <a14:useLocalDpi xmlns:a14="http://schemas.microsoft.com/office/drawing/2010/main" val="0"/>
+              </a:ext>
+            </a:extLst>
+          </a:blip>
+          <a:stretch>
+            <a:fillRect/>
+          </a:stretch>
+        </p:blipFill>
+        <p:spPr>
+          <a:xfrm>
+            <a:off x="457200" y="1656976"/>
+            <a:ext cx="8229600" cy="4412411"/>
+          </a:xfrm>
+        </p:spPr>
+      </p:pic>
+    </p:spTree>
+    <p:extLst>
+      <p:ext uri="{BB962C8B-B14F-4D97-AF65-F5344CB8AC3E}">
+        <p14:creationId xmlns:p14="http://schemas.microsoft.com/office/powerpoint/2010/main" val="2156463714"/>
+      </p:ext>
+    </p:extLst>
+  </p:cSld>
+  <p:clrMapOvr>
+    <a:masterClrMapping/>
+  </p:clrMapOvr>
+</p:sld>
+</file>
+
+<file path=ppt/slides/slide15.xml><?xml version="1.0" encoding="utf-8"?>
+<p:sld xmlns:a="http://schemas.openxmlformats.org/drawingml/2006/main" xmlns:r="http://schemas.openxmlformats.org/officeDocument/2006/relationships" xmlns:p="http://schemas.openxmlformats.org/presentationml/2006/main">
+  <p:cSld>
+    <p:spTree>
+      <p:nvGrpSpPr>
+        <p:cNvPr id="1" name=""/>
+        <p:cNvGrpSpPr/>
+        <p:nvPr/>
+      </p:nvGrpSpPr>
+      <p:grpSpPr>
+        <a:xfrm>
+          <a:off x="0" y="0"/>
+          <a:ext cx="0" cy="0"/>
+          <a:chOff x="0" y="0"/>
+          <a:chExt cx="0" cy="0"/>
+        </a:xfrm>
+      </p:grpSpPr>
+      <p:sp>
+        <p:nvSpPr>
+          <p:cNvPr id="2" name="標題 1">
+            <a:extLst>
+              <a:ext uri="{FF2B5EF4-FFF2-40B4-BE49-F238E27FC236}">
+                <a16:creationId xmlns:a16="http://schemas.microsoft.com/office/drawing/2014/main" id="{59154097-3312-4DEA-BB35-2EB22ED67BB7}"/>
+              </a:ext>
+            </a:extLst>
+          </p:cNvPr>
+          <p:cNvSpPr>
+            <a:spLocks noGrp="1"/>
+          </p:cNvSpPr>
+          <p:nvPr>
+            <p:ph type="title"/>
+          </p:nvPr>
+        </p:nvSpPr>
+        <p:spPr/>
+        <p:txBody>
+          <a:bodyPr/>
+          <a:lstStyle/>
+          <a:p>
+            <a:r>
+              <a:rPr lang="zh-TW" altLang="en-US" dirty="0"/>
+              <a:t>安裝 </a:t>
+            </a:r>
+            <a:r>
+              <a:rPr lang="en-US" altLang="zh-TW" dirty="0"/>
+              <a:t>git bash </a:t>
+            </a:r>
+            <a:r>
+              <a:rPr lang="zh-TW" altLang="en-US" dirty="0"/>
+              <a:t>指令</a:t>
+            </a:r>
+          </a:p>
+        </p:txBody>
+      </p:sp>
+      <p:pic>
+        <p:nvPicPr>
+          <p:cNvPr id="5" name="內容版面配置區 4">
+            <a:extLst>
+              <a:ext uri="{FF2B5EF4-FFF2-40B4-BE49-F238E27FC236}">
+                <a16:creationId xmlns:a16="http://schemas.microsoft.com/office/drawing/2014/main" id="{B34B1944-AE08-46E1-B01B-01EF443CA7F4}"/>
+              </a:ext>
+            </a:extLst>
+          </p:cNvPr>
+          <p:cNvPicPr>
+            <a:picLocks noGrp="1" noChangeAspect="1"/>
+          </p:cNvPicPr>
+          <p:nvPr>
+            <p:ph idx="1"/>
+          </p:nvPr>
+        </p:nvPicPr>
+        <p:blipFill>
+          <a:blip r:embed="rId2"/>
+          <a:stretch>
+            <a:fillRect/>
+          </a:stretch>
+        </p:blipFill>
+        <p:spPr>
+          <a:xfrm>
+            <a:off x="457200" y="1817955"/>
+            <a:ext cx="8229600" cy="4090452"/>
+          </a:xfrm>
+          <a:prstGeom prst="rect">
+            <a:avLst/>
+          </a:prstGeom>
+        </p:spPr>
+      </p:pic>
+      <p:sp>
+        <p:nvSpPr>
+          <p:cNvPr id="4" name="文字方塊 3">
+            <a:extLst>
+              <a:ext uri="{FF2B5EF4-FFF2-40B4-BE49-F238E27FC236}">
+                <a16:creationId xmlns:a16="http://schemas.microsoft.com/office/drawing/2014/main" id="{EA3C81DF-73EB-4149-B7B7-3D7B62FF9B36}"/>
+              </a:ext>
+            </a:extLst>
+          </p:cNvPr>
+          <p:cNvSpPr txBox="1"/>
+          <p:nvPr/>
+        </p:nvSpPr>
+        <p:spPr>
+          <a:xfrm>
+            <a:off x="5608393" y="6297097"/>
+            <a:ext cx="3078407" cy="369332"/>
+          </a:xfrm>
+          <a:prstGeom prst="rect">
+            <a:avLst/>
+          </a:prstGeom>
+          <a:noFill/>
+        </p:spPr>
+        <p:txBody>
+          <a:bodyPr wrap="none" rtlCol="0">
+            <a:spAutoFit/>
+          </a:bodyPr>
+          <a:lstStyle/>
+          <a:p>
+            <a:r>
+              <a:rPr lang="en-US" altLang="zh-TW" dirty="0">
+                <a:hlinkClick r:id="rId3"/>
+              </a:rPr>
+              <a:t>https://gitforwindows.org/</a:t>
+            </a:r>
+            <a:endParaRPr lang="zh-TW" altLang="en-US" dirty="0"/>
+          </a:p>
+        </p:txBody>
+      </p:sp>
+    </p:spTree>
+    <p:extLst>
+      <p:ext uri="{BB962C8B-B14F-4D97-AF65-F5344CB8AC3E}">
+        <p14:creationId xmlns:p14="http://schemas.microsoft.com/office/powerpoint/2010/main" val="2011856517"/>
+      </p:ext>
+    </p:extLst>
+  </p:cSld>
+  <p:clrMapOvr>
+    <a:masterClrMapping/>
+  </p:clrMapOvr>
+</p:sld>
+</file>
+
+<file path=ppt/slides/slide16.xml><?xml version="1.0" encoding="utf-8"?>
+<p:sld xmlns:a="http://schemas.openxmlformats.org/drawingml/2006/main" xmlns:r="http://schemas.openxmlformats.org/officeDocument/2006/relationships" xmlns:p="http://schemas.openxmlformats.org/presentationml/2006/main">
+  <p:cSld>
+    <p:spTree>
+      <p:nvGrpSpPr>
+        <p:cNvPr id="1" name=""/>
+        <p:cNvGrpSpPr/>
+        <p:nvPr/>
+      </p:nvGrpSpPr>
+      <p:grpSpPr>
+        <a:xfrm>
+          <a:off x="0" y="0"/>
+          <a:ext cx="0" cy="0"/>
+          <a:chOff x="0" y="0"/>
+          <a:chExt cx="0" cy="0"/>
+        </a:xfrm>
+      </p:grpSpPr>
+      <p:sp>
+        <p:nvSpPr>
+          <p:cNvPr id="2" name="標題 1">
+            <a:extLst>
+              <a:ext uri="{FF2B5EF4-FFF2-40B4-BE49-F238E27FC236}">
+                <a16:creationId xmlns:a16="http://schemas.microsoft.com/office/drawing/2014/main" id="{A5FD6C1A-8791-4E3C-B611-C33673E55D0B}"/>
+              </a:ext>
+            </a:extLst>
+          </p:cNvPr>
+          <p:cNvSpPr>
+            <a:spLocks noGrp="1"/>
+          </p:cNvSpPr>
+          <p:nvPr>
+            <p:ph type="title"/>
+          </p:nvPr>
+        </p:nvSpPr>
+        <p:spPr/>
+        <p:txBody>
+          <a:bodyPr/>
+          <a:lstStyle/>
+          <a:p>
+            <a:r>
+              <a:rPr lang="zh-TW" altLang="en-US" dirty="0"/>
+              <a:t>執行虛擬環境命令視窗</a:t>
+            </a:r>
+          </a:p>
+        </p:txBody>
+      </p:sp>
+      <p:pic>
+        <p:nvPicPr>
+          <p:cNvPr id="5" name="內容版面配置區 4" descr="一張含有 螢幕擷取畫面 的圖片&#10;&#10;自動產生的描述">
+            <a:extLst>
+              <a:ext uri="{FF2B5EF4-FFF2-40B4-BE49-F238E27FC236}">
+                <a16:creationId xmlns:a16="http://schemas.microsoft.com/office/drawing/2014/main" id="{2458E89F-0534-4A43-888C-B0C5DFC0BB8E}"/>
+              </a:ext>
+            </a:extLst>
+          </p:cNvPr>
+          <p:cNvPicPr>
+            <a:picLocks noGrp="1" noChangeAspect="1"/>
+          </p:cNvPicPr>
+          <p:nvPr>
+            <p:ph idx="1"/>
+          </p:nvPr>
+        </p:nvPicPr>
+        <p:blipFill>
+          <a:blip r:embed="rId2">
+            <a:extLst>
+              <a:ext uri="{28A0092B-C50C-407E-A947-70E740481C1C}">
+                <a14:useLocalDpi xmlns:a14="http://schemas.microsoft.com/office/drawing/2010/main" val="0"/>
+              </a:ext>
+            </a:extLst>
+          </a:blip>
+          <a:stretch>
+            <a:fillRect/>
+          </a:stretch>
+        </p:blipFill>
+        <p:spPr>
+          <a:xfrm>
+            <a:off x="3055488" y="1870379"/>
+            <a:ext cx="3033023" cy="3985605"/>
+          </a:xfrm>
+        </p:spPr>
+      </p:pic>
+    </p:spTree>
+    <p:extLst>
+      <p:ext uri="{BB962C8B-B14F-4D97-AF65-F5344CB8AC3E}">
+        <p14:creationId xmlns:p14="http://schemas.microsoft.com/office/powerpoint/2010/main" val="3998570367"/>
+      </p:ext>
+    </p:extLst>
+  </p:cSld>
+  <p:clrMapOvr>
+    <a:masterClrMapping/>
+  </p:clrMapOvr>
+</p:sld>
+</file>
+
+<file path=ppt/slides/slide17.xml><?xml version="1.0" encoding="utf-8"?>
+<p:sld xmlns:a="http://schemas.openxmlformats.org/drawingml/2006/main" xmlns:r="http://schemas.openxmlformats.org/officeDocument/2006/relationships" xmlns:p="http://schemas.openxmlformats.org/presentationml/2006/main">
+  <p:cSld>
+    <p:spTree>
+      <p:nvGrpSpPr>
+        <p:cNvPr id="1" name=""/>
+        <p:cNvGrpSpPr/>
+        <p:nvPr/>
+      </p:nvGrpSpPr>
+      <p:grpSpPr>
+        <a:xfrm>
+          <a:off x="0" y="0"/>
+          <a:ext cx="0" cy="0"/>
+          <a:chOff x="0" y="0"/>
+          <a:chExt cx="0" cy="0"/>
+        </a:xfrm>
+      </p:grpSpPr>
+      <p:sp>
+        <p:nvSpPr>
+          <p:cNvPr id="2" name="標題 1">
+            <a:extLst>
+              <a:ext uri="{FF2B5EF4-FFF2-40B4-BE49-F238E27FC236}">
+                <a16:creationId xmlns:a16="http://schemas.microsoft.com/office/drawing/2014/main" id="{5F9708F9-CD90-4E11-BE19-DCA5720D8E19}"/>
+              </a:ext>
+            </a:extLst>
+          </p:cNvPr>
+          <p:cNvSpPr>
+            <a:spLocks noGrp="1"/>
+          </p:cNvSpPr>
+          <p:nvPr>
+            <p:ph type="title"/>
+          </p:nvPr>
+        </p:nvSpPr>
+        <p:spPr/>
+        <p:txBody>
+          <a:bodyPr/>
+          <a:lstStyle/>
+          <a:p>
+            <a:r>
+              <a:rPr lang="zh-TW" altLang="en-US" dirty="0"/>
+              <a:t>進入命令視窗</a:t>
+            </a:r>
+          </a:p>
+        </p:txBody>
+      </p:sp>
+      <p:pic>
+        <p:nvPicPr>
+          <p:cNvPr id="5" name="內容版面配置區 4" descr="一張含有 螢幕擷取畫面, 電腦 的圖片&#10;&#10;自動產生的描述">
+            <a:extLst>
+              <a:ext uri="{FF2B5EF4-FFF2-40B4-BE49-F238E27FC236}">
+                <a16:creationId xmlns:a16="http://schemas.microsoft.com/office/drawing/2014/main" id="{EBECD483-BE9D-4767-A6BF-D174C9DA5A85}"/>
+              </a:ext>
+            </a:extLst>
+          </p:cNvPr>
+          <p:cNvPicPr>
+            <a:picLocks noGrp="1" noChangeAspect="1"/>
+          </p:cNvPicPr>
+          <p:nvPr>
+            <p:ph idx="1"/>
+          </p:nvPr>
+        </p:nvPicPr>
+        <p:blipFill>
+          <a:blip r:embed="rId2">
+            <a:extLst>
+              <a:ext uri="{28A0092B-C50C-407E-A947-70E740481C1C}">
+                <a14:useLocalDpi xmlns:a14="http://schemas.microsoft.com/office/drawing/2010/main" val="0"/>
+              </a:ext>
+            </a:extLst>
+          </a:blip>
+          <a:stretch>
+            <a:fillRect/>
+          </a:stretch>
+        </p:blipFill>
+        <p:spPr>
+          <a:xfrm>
+            <a:off x="457200" y="1711498"/>
+            <a:ext cx="8229600" cy="4303366"/>
+          </a:xfrm>
+        </p:spPr>
+      </p:pic>
+      <p:sp>
+        <p:nvSpPr>
+          <p:cNvPr id="6" name="文字方塊 5">
+            <a:extLst>
+              <a:ext uri="{FF2B5EF4-FFF2-40B4-BE49-F238E27FC236}">
+                <a16:creationId xmlns:a16="http://schemas.microsoft.com/office/drawing/2014/main" id="{F66E8F38-2DA1-4CBA-8C8D-6B565B2C6BCD}"/>
+              </a:ext>
+            </a:extLst>
+          </p:cNvPr>
+          <p:cNvSpPr txBox="1"/>
+          <p:nvPr/>
+        </p:nvSpPr>
+        <p:spPr>
+          <a:xfrm>
+            <a:off x="539552" y="6297096"/>
+            <a:ext cx="8784975" cy="369332"/>
+          </a:xfrm>
+          <a:prstGeom prst="rect">
+            <a:avLst/>
+          </a:prstGeom>
+          <a:noFill/>
+        </p:spPr>
+        <p:txBody>
+          <a:bodyPr wrap="square" rtlCol="0">
+            <a:spAutoFit/>
+          </a:bodyPr>
+          <a:lstStyle/>
+          <a:p>
+            <a:r>
+              <a:rPr lang="en-US" altLang="zh-TW" dirty="0">
+                <a:hlinkClick r:id="rId3"/>
+              </a:rPr>
+              <a:t>https://github.com/goatchurchprime/jupyter_micropython_kernel</a:t>
+            </a:r>
+            <a:endParaRPr lang="zh-TW" altLang="en-US" dirty="0"/>
+          </a:p>
+        </p:txBody>
+      </p:sp>
+    </p:spTree>
+    <p:extLst>
+      <p:ext uri="{BB962C8B-B14F-4D97-AF65-F5344CB8AC3E}">
+        <p14:creationId xmlns:p14="http://schemas.microsoft.com/office/powerpoint/2010/main" val="2679376276"/>
+      </p:ext>
+    </p:extLst>
+  </p:cSld>
+  <p:clrMapOvr>
+    <a:masterClrMapping/>
+  </p:clrMapOvr>
+</p:sld>
+</file>
+
+<file path=ppt/slides/slide18.xml><?xml version="1.0" encoding="utf-8"?>
+<p:sld xmlns:a="http://schemas.openxmlformats.org/drawingml/2006/main" xmlns:r="http://schemas.openxmlformats.org/officeDocument/2006/relationships" xmlns:p="http://schemas.openxmlformats.org/presentationml/2006/main">
+  <p:cSld>
+    <p:spTree>
+      <p:nvGrpSpPr>
+        <p:cNvPr id="1" name=""/>
+        <p:cNvGrpSpPr/>
+        <p:nvPr/>
+      </p:nvGrpSpPr>
+      <p:grpSpPr>
+        <a:xfrm>
+          <a:off x="0" y="0"/>
+          <a:ext cx="0" cy="0"/>
+          <a:chOff x="0" y="0"/>
+          <a:chExt cx="0" cy="0"/>
+        </a:xfrm>
+      </p:grpSpPr>
+      <p:sp>
+        <p:nvSpPr>
+          <p:cNvPr id="2" name="標題 1">
+            <a:extLst>
+              <a:ext uri="{FF2B5EF4-FFF2-40B4-BE49-F238E27FC236}">
+                <a16:creationId xmlns:a16="http://schemas.microsoft.com/office/drawing/2014/main" id="{FB209171-D4DE-40D4-87CC-95C22EE1C042}"/>
+              </a:ext>
+            </a:extLst>
+          </p:cNvPr>
+          <p:cNvSpPr>
+            <a:spLocks noGrp="1"/>
+          </p:cNvSpPr>
+          <p:nvPr>
+            <p:ph type="title"/>
+          </p:nvPr>
+        </p:nvSpPr>
+        <p:spPr/>
+        <p:txBody>
+          <a:bodyPr/>
+          <a:lstStyle/>
+          <a:p>
+            <a:r>
+              <a:rPr lang="zh-TW" altLang="en-US" dirty="0"/>
+              <a:t>安裝必須套件</a:t>
+            </a:r>
+          </a:p>
+        </p:txBody>
+      </p:sp>
+      <p:sp>
+        <p:nvSpPr>
+          <p:cNvPr id="3" name="內容版面配置區 2">
+            <a:extLst>
+              <a:ext uri="{FF2B5EF4-FFF2-40B4-BE49-F238E27FC236}">
+                <a16:creationId xmlns:a16="http://schemas.microsoft.com/office/drawing/2014/main" id="{E9BD3BB6-D054-4073-97D4-F04008954929}"/>
+              </a:ext>
+            </a:extLst>
+          </p:cNvPr>
+          <p:cNvSpPr>
+            <a:spLocks noGrp="1"/>
+          </p:cNvSpPr>
+          <p:nvPr>
+            <p:ph idx="1"/>
+          </p:nvPr>
+        </p:nvSpPr>
+        <p:spPr/>
+        <p:txBody>
+          <a:bodyPr/>
+          <a:lstStyle/>
+          <a:p>
+            <a:r>
+              <a:rPr lang="en-US" altLang="zh-TW" dirty="0"/>
+              <a:t>pip install </a:t>
+            </a:r>
+            <a:r>
+              <a:rPr lang="en-US" altLang="zh-TW" dirty="0" err="1"/>
+              <a:t>pyserial</a:t>
+            </a:r>
+            <a:r>
+              <a:rPr lang="en-US" altLang="zh-TW" dirty="0"/>
+              <a:t> </a:t>
+            </a:r>
+          </a:p>
+          <a:p>
+            <a:r>
+              <a:rPr lang="en-US" altLang="zh-TW" dirty="0"/>
+              <a:t>pip install </a:t>
+            </a:r>
+            <a:r>
+              <a:rPr lang="en-US" altLang="zh-TW" dirty="0" err="1"/>
+              <a:t>pyparsing</a:t>
+            </a:r>
+            <a:endParaRPr lang="en-US" altLang="zh-TW" dirty="0"/>
+          </a:p>
+          <a:p>
+            <a:r>
+              <a:rPr lang="en-US" altLang="zh-TW" dirty="0"/>
+              <a:t>pip install </a:t>
+            </a:r>
+            <a:r>
+              <a:rPr lang="en-US" altLang="zh-TW" dirty="0" err="1"/>
+              <a:t>jupyter</a:t>
+            </a:r>
+            <a:endParaRPr lang="zh-TW" altLang="en-US" dirty="0"/>
+          </a:p>
+        </p:txBody>
+      </p:sp>
+    </p:spTree>
+    <p:extLst>
+      <p:ext uri="{BB962C8B-B14F-4D97-AF65-F5344CB8AC3E}">
+        <p14:creationId xmlns:p14="http://schemas.microsoft.com/office/powerpoint/2010/main" val="1432604939"/>
+      </p:ext>
+    </p:extLst>
+  </p:cSld>
+  <p:clrMapOvr>
+    <a:masterClrMapping/>
+  </p:clrMapOvr>
+</p:sld>
+</file>
+
+<file path=ppt/slides/slide19.xml><?xml version="1.0" encoding="utf-8"?>
+<p:sld xmlns:a="http://schemas.openxmlformats.org/drawingml/2006/main" xmlns:r="http://schemas.openxmlformats.org/officeDocument/2006/relationships" xmlns:p="http://schemas.openxmlformats.org/presentationml/2006/main">
+  <p:cSld>
+    <p:spTree>
+      <p:nvGrpSpPr>
+        <p:cNvPr id="1" name=""/>
+        <p:cNvGrpSpPr/>
+        <p:nvPr/>
+      </p:nvGrpSpPr>
+      <p:grpSpPr>
+        <a:xfrm>
+          <a:off x="0" y="0"/>
+          <a:ext cx="0" cy="0"/>
+          <a:chOff x="0" y="0"/>
+          <a:chExt cx="0" cy="0"/>
+        </a:xfrm>
+      </p:grpSpPr>
+      <p:sp>
+        <p:nvSpPr>
+          <p:cNvPr id="2" name="標題 1">
+            <a:extLst>
+              <a:ext uri="{FF2B5EF4-FFF2-40B4-BE49-F238E27FC236}">
+                <a16:creationId xmlns:a16="http://schemas.microsoft.com/office/drawing/2014/main" id="{3E4E8CC3-04C8-4E2E-BE95-0AAAA2594864}"/>
+              </a:ext>
+            </a:extLst>
+          </p:cNvPr>
+          <p:cNvSpPr>
+            <a:spLocks noGrp="1"/>
+          </p:cNvSpPr>
+          <p:nvPr>
+            <p:ph type="title"/>
+          </p:nvPr>
+        </p:nvSpPr>
+        <p:spPr>
+          <a:xfrm>
+            <a:off x="1547664" y="101600"/>
+            <a:ext cx="7416949" cy="1143000"/>
+          </a:xfrm>
+        </p:spPr>
+        <p:txBody>
+          <a:bodyPr/>
+          <a:lstStyle/>
+          <a:p>
+            <a:r>
+              <a:rPr lang="zh-TW" altLang="en-US" sz="2400" dirty="0"/>
+              <a:t>安裝 </a:t>
+            </a:r>
+            <a:r>
+              <a:rPr lang="en-US" altLang="zh-TW" sz="2400" dirty="0" err="1"/>
+              <a:t>micropython</a:t>
+            </a:r>
+            <a:r>
+              <a:rPr lang="en-US" altLang="zh-TW" sz="2400" dirty="0"/>
+              <a:t> kernel for </a:t>
+            </a:r>
+            <a:r>
+              <a:rPr lang="en-US" altLang="zh-TW" sz="2400" dirty="0" err="1"/>
+              <a:t>jupyter</a:t>
+            </a:r>
+            <a:r>
+              <a:rPr lang="en-US" altLang="zh-TW" sz="2400" dirty="0"/>
+              <a:t> notebook</a:t>
+            </a:r>
+            <a:endParaRPr lang="zh-TW" altLang="en-US" sz="2400" dirty="0"/>
+          </a:p>
+        </p:txBody>
+      </p:sp>
+      <p:pic>
+        <p:nvPicPr>
+          <p:cNvPr id="5" name="內容版面配置區 4" descr="一張含有 螢幕擷取畫面 的圖片&#10;&#10;自動產生的描述">
+            <a:extLst>
+              <a:ext uri="{FF2B5EF4-FFF2-40B4-BE49-F238E27FC236}">
+                <a16:creationId xmlns:a16="http://schemas.microsoft.com/office/drawing/2014/main" id="{CCC79137-5974-4DA4-954A-E97A088B42A4}"/>
+              </a:ext>
+            </a:extLst>
+          </p:cNvPr>
+          <p:cNvPicPr>
+            <a:picLocks noGrp="1" noChangeAspect="1"/>
+          </p:cNvPicPr>
+          <p:nvPr>
+            <p:ph idx="1"/>
+          </p:nvPr>
+        </p:nvPicPr>
+        <p:blipFill>
+          <a:blip r:embed="rId2">
+            <a:extLst>
+              <a:ext uri="{28A0092B-C50C-407E-A947-70E740481C1C}">
+                <a14:useLocalDpi xmlns:a14="http://schemas.microsoft.com/office/drawing/2010/main" val="0"/>
+              </a:ext>
+            </a:extLst>
+          </a:blip>
+          <a:stretch>
+            <a:fillRect/>
+          </a:stretch>
+        </p:blipFill>
+        <p:spPr>
+          <a:xfrm>
+            <a:off x="457200" y="1708131"/>
+            <a:ext cx="8229600" cy="4310101"/>
+          </a:xfrm>
+        </p:spPr>
+      </p:pic>
+    </p:spTree>
+    <p:extLst>
+      <p:ext uri="{BB962C8B-B14F-4D97-AF65-F5344CB8AC3E}">
+        <p14:creationId xmlns:p14="http://schemas.microsoft.com/office/powerpoint/2010/main" val="3347901043"/>
+      </p:ext>
+    </p:extLst>
+  </p:cSld>
+  <p:clrMapOvr>
+    <a:masterClrMapping/>
+  </p:clrMapOvr>
+</p:sld>
+</file>
+
+<file path=ppt/slides/slide2.xml><?xml version="1.0" encoding="utf-8"?>
+<p:sld xmlns:a="http://schemas.openxmlformats.org/drawingml/2006/main" xmlns:r="http://schemas.openxmlformats.org/officeDocument/2006/relationships" xmlns:p="http://schemas.openxmlformats.org/presentationml/2006/main">
+  <p:cSld>
+    <p:spTree>
+      <p:nvGrpSpPr>
+        <p:cNvPr id="1" name=""/>
+        <p:cNvGrpSpPr/>
+        <p:nvPr/>
+      </p:nvGrpSpPr>
+      <p:grpSpPr>
+        <a:xfrm>
+          <a:off x="0" y="0"/>
+          <a:ext cx="0" cy="0"/>
+          <a:chOff x="0" y="0"/>
+          <a:chExt cx="0" cy="0"/>
+        </a:xfrm>
+      </p:grpSpPr>
+      <p:sp>
+        <p:nvSpPr>
+          <p:cNvPr id="4" name="標題 3"/>
+          <p:cNvSpPr>
+            <a:spLocks noGrp="1"/>
+          </p:cNvSpPr>
+          <p:nvPr>
+            <p:ph type="title"/>
+          </p:nvPr>
+        </p:nvSpPr>
+        <p:spPr>
+          <a:xfrm>
+            <a:off x="899592" y="1052736"/>
+            <a:ext cx="7416824" cy="3904294"/>
+          </a:xfrm>
+        </p:spPr>
+        <p:txBody>
+          <a:bodyPr>
+            <a:normAutofit fontScale="90000"/>
+          </a:bodyPr>
+          <a:lstStyle/>
+          <a:p>
+            <a:pPr algn="l"/>
+            <a:r>
+              <a:rPr lang="en-US" altLang="zh-TW" sz="4000" dirty="0"/>
+              <a:t>1. </a:t>
+            </a:r>
+            <a:r>
+              <a:rPr lang="en-US" altLang="zh-TW" sz="4000" dirty="0" err="1"/>
+              <a:t>Micropython</a:t>
+            </a:r>
+            <a:r>
+              <a:rPr lang="en-US" altLang="zh-TW" sz="4000" dirty="0"/>
+              <a:t> </a:t>
+            </a:r>
+            <a:r>
+              <a:rPr lang="zh-TW" altLang="en-US" sz="4000" dirty="0"/>
+              <a:t>簡介</a:t>
+            </a:r>
+            <a:br>
+              <a:rPr lang="en-US" altLang="zh-TW" sz="4000" dirty="0"/>
+            </a:br>
+            <a:r>
+              <a:rPr lang="en-US" altLang="zh-TW" sz="4000" dirty="0"/>
+              <a:t>2. </a:t>
+            </a:r>
+            <a:r>
+              <a:rPr lang="zh-TW" altLang="en-US" sz="4000" dirty="0"/>
+              <a:t>驅動、工具、系統及官方網站</a:t>
+            </a:r>
+            <a:br>
+              <a:rPr lang="en-US" altLang="zh-TW" sz="4000" dirty="0"/>
+            </a:br>
+            <a:r>
+              <a:rPr lang="en-US" altLang="zh-TW" sz="4000" dirty="0"/>
+              <a:t>3. </a:t>
+            </a:r>
+            <a:r>
+              <a:rPr lang="zh-TW" altLang="en-US" sz="4000" dirty="0"/>
+              <a:t>韌體佈置</a:t>
+            </a:r>
+            <a:br>
+              <a:rPr lang="en-US" altLang="zh-TW" sz="4000" dirty="0"/>
+            </a:br>
+            <a:r>
+              <a:rPr lang="en-US" altLang="zh-TW" sz="4000" dirty="0"/>
+              <a:t>4. </a:t>
+            </a:r>
+            <a:r>
+              <a:rPr lang="zh-TW" altLang="en-US" sz="4000" dirty="0"/>
+              <a:t>連接測試</a:t>
+            </a:r>
+            <a:br>
+              <a:rPr lang="en-US" altLang="zh-TW" sz="4000" dirty="0"/>
+            </a:br>
+            <a:r>
+              <a:rPr lang="en-US" altLang="zh-TW" sz="4000" dirty="0"/>
+              <a:t>5. </a:t>
+            </a:r>
+            <a:r>
+              <a:rPr lang="en-US" altLang="zh-TW" sz="4000" dirty="0" err="1"/>
+              <a:t>WiFi</a:t>
+            </a:r>
+            <a:r>
+              <a:rPr lang="en-US" altLang="zh-TW" sz="4000" dirty="0"/>
+              <a:t> </a:t>
+            </a:r>
+            <a:r>
+              <a:rPr lang="zh-TW" altLang="en-US" sz="4000" dirty="0"/>
+              <a:t>設定：</a:t>
+            </a:r>
+            <a:r>
+              <a:rPr lang="en-US" altLang="zh-TW" sz="4000" dirty="0"/>
+              <a:t>STA &amp;&amp; AP</a:t>
+            </a:r>
+            <a:br>
+              <a:rPr lang="en-US" altLang="zh-TW" sz="4000" dirty="0"/>
+            </a:br>
+            <a:r>
+              <a:rPr lang="en-US" altLang="zh-TW" sz="4000" dirty="0"/>
+              <a:t>6. LAB</a:t>
+            </a:r>
+            <a:br>
+              <a:rPr lang="en-US" altLang="zh-TW" dirty="0"/>
+            </a:br>
+            <a:r>
+              <a:rPr lang="en-US" altLang="zh-TW" dirty="0"/>
+              <a:t>    </a:t>
+            </a:r>
+            <a:endParaRPr lang="zh-TW" altLang="en-US" dirty="0"/>
+          </a:p>
+        </p:txBody>
+      </p:sp>
+    </p:spTree>
+    <p:extLst>
+      <p:ext uri="{BB962C8B-B14F-4D97-AF65-F5344CB8AC3E}">
+        <p14:creationId xmlns:p14="http://schemas.microsoft.com/office/powerpoint/2010/main" val="1446506365"/>
+      </p:ext>
+    </p:extLst>
+  </p:cSld>
+  <p:clrMapOvr>
+    <a:masterClrMapping/>
+  </p:clrMapOvr>
+</p:sld>
+</file>
+
+<file path=ppt/slides/slide20.xml><?xml version="1.0" encoding="utf-8"?>
+<p:sld xmlns:a="http://schemas.openxmlformats.org/drawingml/2006/main" xmlns:r="http://schemas.openxmlformats.org/officeDocument/2006/relationships" xmlns:p="http://schemas.openxmlformats.org/presentationml/2006/main">
+  <p:cSld>
+    <p:spTree>
+      <p:nvGrpSpPr>
+        <p:cNvPr id="1" name=""/>
+        <p:cNvGrpSpPr/>
+        <p:nvPr/>
+      </p:nvGrpSpPr>
+      <p:grpSpPr>
+        <a:xfrm>
+          <a:off x="0" y="0"/>
+          <a:ext cx="0" cy="0"/>
+          <a:chOff x="0" y="0"/>
+          <a:chExt cx="0" cy="0"/>
+        </a:xfrm>
+      </p:grpSpPr>
+      <p:sp>
+        <p:nvSpPr>
+          <p:cNvPr id="2" name="標題 1">
+            <a:extLst>
+              <a:ext uri="{FF2B5EF4-FFF2-40B4-BE49-F238E27FC236}">
+                <a16:creationId xmlns:a16="http://schemas.microsoft.com/office/drawing/2014/main" id="{E4149486-2A49-41B0-AB94-0C74CF844042}"/>
+              </a:ext>
+            </a:extLst>
+          </p:cNvPr>
+          <p:cNvSpPr>
+            <a:spLocks noGrp="1"/>
+          </p:cNvSpPr>
+          <p:nvPr>
+            <p:ph type="title"/>
+          </p:nvPr>
+        </p:nvSpPr>
+        <p:spPr/>
+        <p:txBody>
+          <a:bodyPr/>
+          <a:lstStyle/>
+          <a:p>
+            <a:r>
+              <a:rPr lang="en-US" altLang="zh-TW" dirty="0"/>
+              <a:t>Pip </a:t>
+            </a:r>
+            <a:r>
+              <a:rPr lang="zh-TW" altLang="en-US" dirty="0"/>
+              <a:t>安裝下載之套件</a:t>
+            </a:r>
+          </a:p>
+        </p:txBody>
+      </p:sp>
+      <p:pic>
+        <p:nvPicPr>
+          <p:cNvPr id="5" name="內容版面配置區 4" descr="一張含有 螢幕擷取畫面 的圖片&#10;&#10;自動產生的描述">
+            <a:extLst>
+              <a:ext uri="{FF2B5EF4-FFF2-40B4-BE49-F238E27FC236}">
+                <a16:creationId xmlns:a16="http://schemas.microsoft.com/office/drawing/2014/main" id="{82C87640-2839-4B0B-9E77-2991220DE59A}"/>
+              </a:ext>
+            </a:extLst>
+          </p:cNvPr>
+          <p:cNvPicPr>
+            <a:picLocks noGrp="1" noChangeAspect="1"/>
+          </p:cNvPicPr>
+          <p:nvPr>
+            <p:ph idx="1"/>
+          </p:nvPr>
+        </p:nvPicPr>
+        <p:blipFill>
+          <a:blip r:embed="rId2">
+            <a:extLst>
+              <a:ext uri="{28A0092B-C50C-407E-A947-70E740481C1C}">
+                <a14:useLocalDpi xmlns:a14="http://schemas.microsoft.com/office/drawing/2010/main" val="0"/>
+              </a:ext>
+            </a:extLst>
+          </a:blip>
+          <a:stretch>
+            <a:fillRect/>
+          </a:stretch>
+        </p:blipFill>
+        <p:spPr>
+          <a:xfrm>
+            <a:off x="457200" y="1727101"/>
+            <a:ext cx="8229600" cy="4272160"/>
+          </a:xfrm>
+        </p:spPr>
+      </p:pic>
+      <p:cxnSp>
+        <p:nvCxnSpPr>
+          <p:cNvPr id="7" name="直線接點 6">
+            <a:extLst>
+              <a:ext uri="{FF2B5EF4-FFF2-40B4-BE49-F238E27FC236}">
+                <a16:creationId xmlns:a16="http://schemas.microsoft.com/office/drawing/2014/main" id="{C0E99AD7-5FF9-48D8-A2E8-C463CBF92A00}"/>
+              </a:ext>
+            </a:extLst>
+          </p:cNvPr>
+          <p:cNvCxnSpPr/>
+          <p:nvPr/>
+        </p:nvCxnSpPr>
+        <p:spPr>
+          <a:xfrm>
+            <a:off x="2627784" y="3501008"/>
+            <a:ext cx="2880320" cy="0"/>
+          </a:xfrm>
+          <a:prstGeom prst="line">
+            <a:avLst/>
+          </a:prstGeom>
+          <a:ln w="76200">
+            <a:solidFill>
+              <a:srgbClr val="FF0000"/>
+            </a:solidFill>
+          </a:ln>
+        </p:spPr>
+        <p:style>
+          <a:lnRef idx="1">
+            <a:schemeClr val="accent1"/>
+          </a:lnRef>
+          <a:fillRef idx="0">
+            <a:schemeClr val="accent1"/>
+          </a:fillRef>
+          <a:effectRef idx="0">
+            <a:schemeClr val="accent1"/>
+          </a:effectRef>
+          <a:fontRef idx="minor">
+            <a:schemeClr val="tx1"/>
+          </a:fontRef>
+        </p:style>
+      </p:cxnSp>
+      <p:sp>
+        <p:nvSpPr>
+          <p:cNvPr id="15" name="矩形 14">
+            <a:extLst>
+              <a:ext uri="{FF2B5EF4-FFF2-40B4-BE49-F238E27FC236}">
+                <a16:creationId xmlns:a16="http://schemas.microsoft.com/office/drawing/2014/main" id="{21C1BC27-7AA0-455F-BA15-A80588FDB919}"/>
+              </a:ext>
+            </a:extLst>
+          </p:cNvPr>
+          <p:cNvSpPr/>
+          <p:nvPr/>
+        </p:nvSpPr>
+        <p:spPr>
+          <a:xfrm>
+            <a:off x="2589853" y="6112430"/>
+            <a:ext cx="4599785" cy="369332"/>
+          </a:xfrm>
+          <a:prstGeom prst="rect">
+            <a:avLst/>
+          </a:prstGeom>
+        </p:spPr>
+        <p:txBody>
+          <a:bodyPr wrap="none">
+            <a:spAutoFit/>
+          </a:bodyPr>
+          <a:lstStyle/>
+          <a:p>
+            <a:r>
+              <a:rPr lang="en-US" altLang="zh-TW" dirty="0"/>
+              <a:t>pip install –e </a:t>
+            </a:r>
+            <a:r>
+              <a:rPr lang="en-US" altLang="zh-TW" dirty="0" err="1"/>
+              <a:t>jupyter_micropython_kernel</a:t>
+            </a:r>
+            <a:endParaRPr lang="zh-TW" altLang="en-US" dirty="0"/>
+          </a:p>
+        </p:txBody>
+      </p:sp>
+    </p:spTree>
+    <p:extLst>
+      <p:ext uri="{BB962C8B-B14F-4D97-AF65-F5344CB8AC3E}">
+        <p14:creationId xmlns:p14="http://schemas.microsoft.com/office/powerpoint/2010/main" val="2898272382"/>
+      </p:ext>
+    </p:extLst>
+  </p:cSld>
+  <p:clrMapOvr>
+    <a:masterClrMapping/>
+  </p:clrMapOvr>
+</p:sld>
+</file>
+
+<file path=ppt/slides/slide21.xml><?xml version="1.0" encoding="utf-8"?>
+<p:sld xmlns:a="http://schemas.openxmlformats.org/drawingml/2006/main" xmlns:r="http://schemas.openxmlformats.org/officeDocument/2006/relationships" xmlns:p="http://schemas.openxmlformats.org/presentationml/2006/main">
+  <p:cSld>
+    <p:spTree>
+      <p:nvGrpSpPr>
+        <p:cNvPr id="1" name=""/>
+        <p:cNvGrpSpPr/>
+        <p:nvPr/>
+      </p:nvGrpSpPr>
+      <p:grpSpPr>
+        <a:xfrm>
+          <a:off x="0" y="0"/>
+          <a:ext cx="0" cy="0"/>
+          <a:chOff x="0" y="0"/>
+          <a:chExt cx="0" cy="0"/>
+        </a:xfrm>
+      </p:grpSpPr>
+      <p:sp>
+        <p:nvSpPr>
+          <p:cNvPr id="2" name="標題 1">
+            <a:extLst>
+              <a:ext uri="{FF2B5EF4-FFF2-40B4-BE49-F238E27FC236}">
+                <a16:creationId xmlns:a16="http://schemas.microsoft.com/office/drawing/2014/main" id="{6461013E-06E0-4B63-885B-F9289970CB45}"/>
+              </a:ext>
+            </a:extLst>
+          </p:cNvPr>
+          <p:cNvSpPr>
+            <a:spLocks noGrp="1"/>
+          </p:cNvSpPr>
+          <p:nvPr>
+            <p:ph type="title"/>
+          </p:nvPr>
+        </p:nvSpPr>
+        <p:spPr/>
+        <p:txBody>
+          <a:bodyPr/>
+          <a:lstStyle/>
+          <a:p>
+            <a:endParaRPr lang="zh-TW" altLang="en-US"/>
+          </a:p>
+        </p:txBody>
+      </p:sp>
+      <p:sp>
+        <p:nvSpPr>
+          <p:cNvPr id="3" name="內容版面配置區 2">
+            <a:extLst>
+              <a:ext uri="{FF2B5EF4-FFF2-40B4-BE49-F238E27FC236}">
+                <a16:creationId xmlns:a16="http://schemas.microsoft.com/office/drawing/2014/main" id="{B5C74437-879F-4F3F-A4C7-9CE02A4D6BF9}"/>
+              </a:ext>
+            </a:extLst>
+          </p:cNvPr>
+          <p:cNvSpPr>
+            <a:spLocks noGrp="1"/>
+          </p:cNvSpPr>
+          <p:nvPr>
+            <p:ph idx="1"/>
+          </p:nvPr>
+        </p:nvSpPr>
+        <p:spPr/>
+        <p:txBody>
+          <a:bodyPr/>
+          <a:lstStyle/>
+          <a:p>
+            <a:r>
+              <a:rPr lang="en-US" altLang="zh-TW" sz="2800" dirty="0"/>
+              <a:t>python -m </a:t>
+            </a:r>
+            <a:r>
+              <a:rPr lang="en-US" altLang="zh-TW" sz="2800" dirty="0" err="1"/>
+              <a:t>jupyter_micropython_kernel.install</a:t>
+            </a:r>
+            <a:endParaRPr lang="en-US" altLang="zh-TW" sz="2800" dirty="0"/>
+          </a:p>
+          <a:p>
+            <a:endParaRPr lang="en-US" altLang="zh-TW" sz="2800" dirty="0"/>
+          </a:p>
+          <a:p>
+            <a:r>
+              <a:rPr lang="en-US" altLang="zh-TW" sz="2800" dirty="0" err="1"/>
+              <a:t>jupyter</a:t>
+            </a:r>
+            <a:r>
+              <a:rPr lang="en-US" altLang="zh-TW" sz="2800" dirty="0"/>
+              <a:t> </a:t>
+            </a:r>
+            <a:r>
+              <a:rPr lang="en-US" altLang="zh-TW" sz="2800" dirty="0" err="1"/>
+              <a:t>kernelspec</a:t>
+            </a:r>
+            <a:r>
+              <a:rPr lang="en-US" altLang="zh-TW" sz="2800" dirty="0"/>
+              <a:t> list</a:t>
+            </a:r>
+          </a:p>
+          <a:p>
+            <a:endParaRPr lang="en-US" altLang="zh-TW" sz="2800" dirty="0"/>
+          </a:p>
+        </p:txBody>
+      </p:sp>
+      <p:pic>
+        <p:nvPicPr>
+          <p:cNvPr id="5" name="圖片 4" descr="一張含有 螢幕擷取畫面, 坐 的圖片&#10;&#10;自動產生的描述">
+            <a:extLst>
+              <a:ext uri="{FF2B5EF4-FFF2-40B4-BE49-F238E27FC236}">
+                <a16:creationId xmlns:a16="http://schemas.microsoft.com/office/drawing/2014/main" id="{267FA3BC-3CA9-48E3-88B7-0A170C4E39F1}"/>
+              </a:ext>
+            </a:extLst>
+          </p:cNvPr>
+          <p:cNvPicPr>
+            <a:picLocks noChangeAspect="1"/>
           </p:cNvPicPr>
           <p:nvPr/>
         </p:nvPicPr>
@@ -10151,58 +11389,65 @@
               </a:ext>
             </a:extLst>
           </a:blip>
-          <a:srcRect/>
           <a:stretch>
             <a:fillRect/>
           </a:stretch>
         </p:blipFill>
-        <p:spPr bwMode="auto">
+        <p:spPr>
           <a:xfrm>
-            <a:off x="714384" y="1988840"/>
-            <a:ext cx="7772400" cy="4057650"/>
+            <a:off x="1979712" y="3216388"/>
+            <a:ext cx="6156176" cy="3269838"/>
           </a:xfrm>
           <a:prstGeom prst="rect">
             <a:avLst/>
           </a:prstGeom>
-          <a:noFill/>
-          <a:ln>
-            <a:noFill/>
+        </p:spPr>
+      </p:pic>
+      <p:cxnSp>
+        <p:nvCxnSpPr>
+          <p:cNvPr id="7" name="直線接點 6">
+            <a:extLst>
+              <a:ext uri="{FF2B5EF4-FFF2-40B4-BE49-F238E27FC236}">
+                <a16:creationId xmlns:a16="http://schemas.microsoft.com/office/drawing/2014/main" id="{C8396E85-69B5-4C35-979E-F9434BF71F84}"/>
+              </a:ext>
+            </a:extLst>
+          </p:cNvPr>
+          <p:cNvCxnSpPr/>
+          <p:nvPr/>
+        </p:nvCxnSpPr>
+        <p:spPr>
+          <a:xfrm>
+            <a:off x="1979712" y="5301208"/>
+            <a:ext cx="936104" cy="0"/>
+          </a:xfrm>
+          <a:prstGeom prst="line">
+            <a:avLst/>
+          </a:prstGeom>
+          <a:ln w="76200">
+            <a:solidFill>
+              <a:srgbClr val="FF0000"/>
+            </a:solidFill>
           </a:ln>
-          <a:effectLst/>
-          <a:extLst>
-            <a:ext uri="{909E8E84-426E-40DD-AFC4-6F175D3DCCD1}">
-              <a14:hiddenFill xmlns:a14="http://schemas.microsoft.com/office/drawing/2010/main">
-                <a:solidFill>
-                  <a:schemeClr val="accent1"/>
-                </a:solidFill>
-              </a14:hiddenFill>
-            </a:ext>
-            <a:ext uri="{91240B29-F687-4F45-9708-019B960494DF}">
-              <a14:hiddenLine xmlns:a14="http://schemas.microsoft.com/office/drawing/2010/main" w="9525">
-                <a:solidFill>
-                  <a:schemeClr val="tx1"/>
-                </a:solidFill>
-                <a:miter lim="800000"/>
-                <a:headEnd/>
-                <a:tailEnd/>
-              </a14:hiddenLine>
-            </a:ext>
-            <a:ext uri="{AF507438-7753-43E0-B8FC-AC1667EBCBE1}">
-              <a14:hiddenEffects xmlns:a14="http://schemas.microsoft.com/office/drawing/2010/main">
-                <a:effectLst>
-                  <a:outerShdw dist="35921" dir="2700000" algn="ctr" rotWithShape="0">
-                    <a:schemeClr val="bg2"/>
-                  </a:outerShdw>
-                </a:effectLst>
-              </a14:hiddenEffects>
-            </a:ext>
-          </a:extLst>
-        </p:spPr>
-      </p:pic>
+        </p:spPr>
+        <p:style>
+          <a:lnRef idx="1">
+            <a:schemeClr val="accent1"/>
+          </a:lnRef>
+          <a:fillRef idx="0">
+            <a:schemeClr val="accent1"/>
+          </a:fillRef>
+          <a:effectRef idx="0">
+            <a:schemeClr val="accent1"/>
+          </a:effectRef>
+          <a:fontRef idx="minor">
+            <a:schemeClr val="tx1"/>
+          </a:fontRef>
+        </p:style>
+      </p:cxnSp>
     </p:spTree>
     <p:extLst>
       <p:ext uri="{BB962C8B-B14F-4D97-AF65-F5344CB8AC3E}">
-        <p14:creationId xmlns:p14="http://schemas.microsoft.com/office/powerpoint/2010/main" val="3348747277"/>
+        <p14:creationId xmlns:p14="http://schemas.microsoft.com/office/powerpoint/2010/main" val="3460966915"/>
       </p:ext>
     </p:extLst>
   </p:cSld>
@@ -10212,7 +11457,7 @@
 </p:sld>
 </file>
 
-<file path=ppt/slides/slide15.xml><?xml version="1.0" encoding="utf-8"?>
+<file path=ppt/slides/slide22.xml><?xml version="1.0" encoding="utf-8"?>
 <p:sld xmlns:a="http://schemas.openxmlformats.org/drawingml/2006/main" xmlns:r="http://schemas.openxmlformats.org/officeDocument/2006/relationships" xmlns:p="http://schemas.openxmlformats.org/presentationml/2006/main">
   <p:cSld>
     <p:spTree>
@@ -10339,7 +11584,7 @@
 </p:sld>
 </file>
 
-<file path=ppt/slides/slide16.xml><?xml version="1.0" encoding="utf-8"?>
+<file path=ppt/slides/slide23.xml><?xml version="1.0" encoding="utf-8"?>
 <p:sld xmlns:a="http://schemas.openxmlformats.org/drawingml/2006/main" xmlns:r="http://schemas.openxmlformats.org/officeDocument/2006/relationships" xmlns:p="http://schemas.openxmlformats.org/presentationml/2006/main">
   <p:cSld>
     <p:spTree>
@@ -10455,6 +11700,47 @@
           </a:extLst>
         </p:spPr>
       </p:pic>
+      <p:cxnSp>
+        <p:nvCxnSpPr>
+          <p:cNvPr id="4" name="直線接點 3">
+            <a:extLst>
+              <a:ext uri="{FF2B5EF4-FFF2-40B4-BE49-F238E27FC236}">
+                <a16:creationId xmlns:a16="http://schemas.microsoft.com/office/drawing/2014/main" id="{C63357CE-FDFF-4C24-B3F6-4CCCE676E3E7}"/>
+              </a:ext>
+            </a:extLst>
+          </p:cNvPr>
+          <p:cNvCxnSpPr/>
+          <p:nvPr/>
+        </p:nvCxnSpPr>
+        <p:spPr>
+          <a:xfrm>
+            <a:off x="6732240" y="3717032"/>
+            <a:ext cx="1296144" cy="0"/>
+          </a:xfrm>
+          <a:prstGeom prst="line">
+            <a:avLst/>
+          </a:prstGeom>
+          <a:ln w="76200">
+            <a:solidFill>
+              <a:srgbClr val="FF0000"/>
+            </a:solidFill>
+          </a:ln>
+        </p:spPr>
+        <p:style>
+          <a:lnRef idx="1">
+            <a:schemeClr val="accent1"/>
+          </a:lnRef>
+          <a:fillRef idx="0">
+            <a:schemeClr val="accent1"/>
+          </a:fillRef>
+          <a:effectRef idx="0">
+            <a:schemeClr val="accent1"/>
+          </a:effectRef>
+          <a:fontRef idx="minor">
+            <a:schemeClr val="tx1"/>
+          </a:fontRef>
+        </p:style>
+      </p:cxnSp>
     </p:spTree>
     <p:extLst>
       <p:ext uri="{BB962C8B-B14F-4D97-AF65-F5344CB8AC3E}">
@@ -10468,7 +11754,7 @@
 </p:sld>
 </file>
 
-<file path=ppt/slides/slide17.xml><?xml version="1.0" encoding="utf-8"?>
+<file path=ppt/slides/slide24.xml><?xml version="1.0" encoding="utf-8"?>
 <p:sld xmlns:a="http://schemas.openxmlformats.org/drawingml/2006/main" xmlns:r="http://schemas.openxmlformats.org/officeDocument/2006/relationships" xmlns:p="http://schemas.openxmlformats.org/presentationml/2006/main">
   <p:cSld>
     <p:spTree>
@@ -10639,7 +11925,7 @@
 </p:sld>
 </file>
 
-<file path=ppt/slides/slide18.xml><?xml version="1.0" encoding="utf-8"?>
+<file path=ppt/slides/slide25.xml><?xml version="1.0" encoding="utf-8"?>
 <p:sld xmlns:a="http://schemas.openxmlformats.org/drawingml/2006/main" xmlns:r="http://schemas.openxmlformats.org/officeDocument/2006/relationships" xmlns:p="http://schemas.openxmlformats.org/presentationml/2006/main">
   <p:cSld>
     <p:spTree>
@@ -10710,7 +11996,7 @@
 </p:sld>
 </file>
 
-<file path=ppt/slides/slide19.xml><?xml version="1.0" encoding="utf-8"?>
+<file path=ppt/slides/slide26.xml><?xml version="1.0" encoding="utf-8"?>
 <p:sld xmlns:a="http://schemas.openxmlformats.org/drawingml/2006/main" xmlns:r="http://schemas.openxmlformats.org/officeDocument/2006/relationships" xmlns:p="http://schemas.openxmlformats.org/presentationml/2006/main">
   <p:cSld>
     <p:spTree>
@@ -10892,150 +12178,7 @@
 </p:sld>
 </file>
 
-<file path=ppt/slides/slide2.xml><?xml version="1.0" encoding="utf-8"?>
-<p:sld xmlns:a="http://schemas.openxmlformats.org/drawingml/2006/main" xmlns:r="http://schemas.openxmlformats.org/officeDocument/2006/relationships" xmlns:p="http://schemas.openxmlformats.org/presentationml/2006/main">
-  <p:cSld>
-    <p:spTree>
-      <p:nvGrpSpPr>
-        <p:cNvPr id="1" name=""/>
-        <p:cNvGrpSpPr/>
-        <p:nvPr/>
-      </p:nvGrpSpPr>
-      <p:grpSpPr>
-        <a:xfrm>
-          <a:off x="0" y="0"/>
-          <a:ext cx="0" cy="0"/>
-          <a:chOff x="0" y="0"/>
-          <a:chExt cx="0" cy="0"/>
-        </a:xfrm>
-      </p:grpSpPr>
-      <p:sp>
-        <p:nvSpPr>
-          <p:cNvPr id="4" name="標題 3"/>
-          <p:cNvSpPr>
-            <a:spLocks noGrp="1"/>
-          </p:cNvSpPr>
-          <p:nvPr>
-            <p:ph type="title"/>
-          </p:nvPr>
-        </p:nvSpPr>
-        <p:spPr>
-          <a:xfrm>
-            <a:off x="899592" y="1052736"/>
-            <a:ext cx="7416824" cy="3904294"/>
-          </a:xfrm>
-        </p:spPr>
-        <p:txBody>
-          <a:bodyPr>
-            <a:normAutofit fontScale="90000"/>
-          </a:bodyPr>
-          <a:lstStyle/>
-          <a:p>
-            <a:pPr algn="l"/>
-            <a:r>
-              <a:rPr lang="en-US" altLang="zh-TW" sz="4000" dirty="0"/>
-              <a:t>1. </a:t>
-            </a:r>
-            <a:r>
-              <a:rPr lang="en-US" altLang="zh-TW" sz="4000" dirty="0" err="1"/>
-              <a:t>Micropython</a:t>
-            </a:r>
-            <a:r>
-              <a:rPr lang="en-US" altLang="zh-TW" sz="4000" dirty="0"/>
-              <a:t> </a:t>
-            </a:r>
-            <a:r>
-              <a:rPr lang="zh-TW" altLang="en-US" sz="4000" dirty="0"/>
-              <a:t>簡介</a:t>
-            </a:r>
-            <a:br>
-              <a:rPr lang="en-US" altLang="zh-TW" sz="4000" dirty="0"/>
-            </a:br>
-            <a:r>
-              <a:rPr lang="en-US" altLang="zh-TW" sz="4000" dirty="0"/>
-              <a:t>2. </a:t>
-            </a:r>
-            <a:r>
-              <a:rPr lang="zh-TW" altLang="en-US" sz="4000" dirty="0"/>
-              <a:t>驅動、工具、系統及官方網站</a:t>
-            </a:r>
-            <a:br>
-              <a:rPr lang="en-US" altLang="zh-TW" sz="4000" dirty="0"/>
-            </a:br>
-            <a:r>
-              <a:rPr lang="en-US" altLang="zh-TW" sz="4000" dirty="0"/>
-              <a:t>3. </a:t>
-            </a:r>
-            <a:r>
-              <a:rPr lang="zh-TW" altLang="en-US" sz="4000" dirty="0"/>
-              <a:t>韌體佈置</a:t>
-            </a:r>
-            <a:br>
-              <a:rPr lang="en-US" altLang="zh-TW" sz="4000" dirty="0"/>
-            </a:br>
-            <a:r>
-              <a:rPr lang="en-US" altLang="zh-TW" sz="4000" dirty="0"/>
-              <a:t>4. </a:t>
-            </a:r>
-            <a:r>
-              <a:rPr lang="zh-TW" altLang="en-US" sz="4000" dirty="0"/>
-              <a:t>連接測試</a:t>
-            </a:r>
-            <a:br>
-              <a:rPr lang="en-US" altLang="zh-TW" sz="4000" dirty="0"/>
-            </a:br>
-            <a:r>
-              <a:rPr lang="en-US" altLang="zh-TW" sz="4000" dirty="0"/>
-              <a:t>5. </a:t>
-            </a:r>
-            <a:r>
-              <a:rPr lang="en-US" altLang="zh-TW" sz="4000" dirty="0" err="1"/>
-              <a:t>WiFi</a:t>
-            </a:r>
-            <a:r>
-              <a:rPr lang="en-US" altLang="zh-TW" sz="4000" dirty="0"/>
-              <a:t> </a:t>
-            </a:r>
-            <a:r>
-              <a:rPr lang="zh-TW" altLang="en-US" sz="4000" dirty="0"/>
-              <a:t>設定：</a:t>
-            </a:r>
-            <a:r>
-              <a:rPr lang="en-US" altLang="zh-TW" sz="4000" dirty="0"/>
-              <a:t>STA &amp;&amp; AP</a:t>
-            </a:r>
-            <a:br>
-              <a:rPr lang="en-US" altLang="zh-TW" sz="4000" dirty="0"/>
-            </a:br>
-            <a:r>
-              <a:rPr lang="en-US" altLang="zh-TW" sz="4000" dirty="0"/>
-              <a:t>6. LAB</a:t>
-            </a:r>
-            <a:br>
-              <a:rPr lang="en-US" altLang="zh-TW" dirty="0"/>
-            </a:br>
-            <a:r>
-              <a:rPr lang="en-US" altLang="zh-TW" dirty="0"/>
-              <a:t>    </a:t>
-            </a:r>
-            <a:endParaRPr lang="zh-TW" altLang="en-US" dirty="0"/>
-          </a:p>
-        </p:txBody>
-      </p:sp>
-    </p:spTree>
-    <p:extLst>
-      <p:ext uri="{BB962C8B-B14F-4D97-AF65-F5344CB8AC3E}">
-        <p14:creationId xmlns:p14="http://schemas.microsoft.com/office/powerpoint/2010/main" val="1446506365"/>
-      </p:ext>
-    </p:extLst>
-  </p:cSld>
-  <p:clrMapOvr>
-    <a:masterClrMapping/>
-  </p:clrMapOvr>
-</p:sld>
-</file>
-
-<file path=ppt/slides/slide20.xml><?xml version="1.0" encoding="utf-8"?>
+<file path=ppt/slides/slide27.xml><?xml version="1.0" encoding="utf-8"?>
 <p:sld xmlns:a="http://schemas.openxmlformats.org/drawingml/2006/main" xmlns:r="http://schemas.openxmlformats.org/officeDocument/2006/relationships" xmlns:p="http://schemas.openxmlformats.org/presentationml/2006/main">
   <p:cSld>
     <p:spTree>
@@ -11210,7 +12353,7 @@
 </p:sld>
 </file>
 
-<file path=ppt/slides/slide21.xml><?xml version="1.0" encoding="utf-8"?>
+<file path=ppt/slides/slide28.xml><?xml version="1.0" encoding="utf-8"?>
 <p:sld xmlns:a="http://schemas.openxmlformats.org/drawingml/2006/main" xmlns:r="http://schemas.openxmlformats.org/officeDocument/2006/relationships" xmlns:p="http://schemas.openxmlformats.org/presentationml/2006/main">
   <p:cSld>
     <p:spTree>
@@ -11417,7 +12560,7 @@
 </p:sld>
 </file>
 
-<file path=ppt/slides/slide22.xml><?xml version="1.0" encoding="utf-8"?>
+<file path=ppt/slides/slide29.xml><?xml version="1.0" encoding="utf-8"?>
 <p:sld xmlns:a="http://schemas.openxmlformats.org/drawingml/2006/main" xmlns:r="http://schemas.openxmlformats.org/officeDocument/2006/relationships" xmlns:p="http://schemas.openxmlformats.org/presentationml/2006/main">
   <p:cSld>
     <p:spTree>
@@ -11436,6 +12579,502 @@
       </p:grpSpPr>
       <p:sp>
         <p:nvSpPr>
+          <p:cNvPr id="2" name="標題 1">
+            <a:extLst>
+              <a:ext uri="{FF2B5EF4-FFF2-40B4-BE49-F238E27FC236}">
+                <a16:creationId xmlns:a16="http://schemas.microsoft.com/office/drawing/2014/main" id="{3922652A-9E09-4E15-9FD4-0A5995703750}"/>
+              </a:ext>
+            </a:extLst>
+          </p:cNvPr>
+          <p:cNvSpPr>
+            <a:spLocks noGrp="1"/>
+          </p:cNvSpPr>
+          <p:nvPr>
+            <p:ph type="title"/>
+          </p:nvPr>
+        </p:nvSpPr>
+        <p:spPr/>
+        <p:txBody>
+          <a:bodyPr/>
+          <a:lstStyle/>
+          <a:p>
+            <a:r>
+              <a:rPr lang="en-US" altLang="zh-TW" dirty="0"/>
+              <a:t>Write flash</a:t>
+            </a:r>
+            <a:endParaRPr lang="zh-TW" altLang="en-US" dirty="0"/>
+          </a:p>
+        </p:txBody>
+      </p:sp>
+      <p:pic>
+        <p:nvPicPr>
+          <p:cNvPr id="5" name="內容版面配置區 4" descr="一張含有 螢幕擷取畫面 的圖片&#10;&#10;自動產生的描述">
+            <a:extLst>
+              <a:ext uri="{FF2B5EF4-FFF2-40B4-BE49-F238E27FC236}">
+                <a16:creationId xmlns:a16="http://schemas.microsoft.com/office/drawing/2014/main" id="{35A2FA3E-0E41-4F8A-BD0D-BB17193E4607}"/>
+              </a:ext>
+            </a:extLst>
+          </p:cNvPr>
+          <p:cNvPicPr>
+            <a:picLocks noGrp="1" noChangeAspect="1"/>
+          </p:cNvPicPr>
+          <p:nvPr>
+            <p:ph idx="1"/>
+          </p:nvPr>
+        </p:nvPicPr>
+        <p:blipFill>
+          <a:blip r:embed="rId2">
+            <a:extLst>
+              <a:ext uri="{28A0092B-C50C-407E-A947-70E740481C1C}">
+                <a14:useLocalDpi xmlns:a14="http://schemas.microsoft.com/office/drawing/2010/main" val="0"/>
+              </a:ext>
+            </a:extLst>
+          </a:blip>
+          <a:stretch>
+            <a:fillRect/>
+          </a:stretch>
+        </p:blipFill>
+        <p:spPr>
+          <a:xfrm>
+            <a:off x="457200" y="1662643"/>
+            <a:ext cx="8229600" cy="4401076"/>
+          </a:xfrm>
+        </p:spPr>
+      </p:pic>
+    </p:spTree>
+    <p:extLst>
+      <p:ext uri="{BB962C8B-B14F-4D97-AF65-F5344CB8AC3E}">
+        <p14:creationId xmlns:p14="http://schemas.microsoft.com/office/powerpoint/2010/main" val="376238588"/>
+      </p:ext>
+    </p:extLst>
+  </p:cSld>
+  <p:clrMapOvr>
+    <a:masterClrMapping/>
+  </p:clrMapOvr>
+</p:sld>
+</file>
+
+<file path=ppt/slides/slide3.xml><?xml version="1.0" encoding="utf-8"?>
+<p:sld xmlns:a="http://schemas.openxmlformats.org/drawingml/2006/main" xmlns:r="http://schemas.openxmlformats.org/officeDocument/2006/relationships" xmlns:p="http://schemas.openxmlformats.org/presentationml/2006/main">
+  <p:cSld>
+    <p:spTree>
+      <p:nvGrpSpPr>
+        <p:cNvPr id="1" name=""/>
+        <p:cNvGrpSpPr/>
+        <p:nvPr/>
+      </p:nvGrpSpPr>
+      <p:grpSpPr>
+        <a:xfrm>
+          <a:off x="0" y="0"/>
+          <a:ext cx="0" cy="0"/>
+          <a:chOff x="0" y="0"/>
+          <a:chExt cx="0" cy="0"/>
+        </a:xfrm>
+      </p:grpSpPr>
+      <p:sp>
+        <p:nvSpPr>
+          <p:cNvPr id="2" name="標題 1"/>
+          <p:cNvSpPr>
+            <a:spLocks noGrp="1"/>
+          </p:cNvSpPr>
+          <p:nvPr>
+            <p:ph type="title"/>
+          </p:nvPr>
+        </p:nvSpPr>
+        <p:spPr>
+          <a:xfrm>
+            <a:off x="1115616" y="1124744"/>
+            <a:ext cx="7128792" cy="4480358"/>
+          </a:xfrm>
+        </p:spPr>
+        <p:txBody>
+          <a:bodyPr numCol="2">
+            <a:normAutofit/>
+          </a:bodyPr>
+          <a:lstStyle/>
+          <a:p>
+            <a:pPr algn="l"/>
+            <a:r>
+              <a:rPr lang="en-US" altLang="zh-TW" sz="2700" dirty="0"/>
+              <a:t>a. LED</a:t>
+            </a:r>
+            <a:r>
+              <a:rPr lang="zh-TW" altLang="en-US" sz="2700" dirty="0"/>
+              <a:t>閃爍</a:t>
+            </a:r>
+            <a:br>
+              <a:rPr lang="en-US" altLang="zh-TW" sz="2700" dirty="0"/>
+            </a:br>
+            <a:r>
+              <a:rPr lang="en-US" altLang="zh-TW" sz="2700" dirty="0"/>
+              <a:t>b. LED PWM </a:t>
+            </a:r>
+            <a:r>
+              <a:rPr lang="zh-TW" altLang="en-US" sz="2700" dirty="0"/>
+              <a:t>亮度實驗</a:t>
+            </a:r>
+            <a:br>
+              <a:rPr lang="en-US" altLang="zh-TW" sz="2700" dirty="0"/>
+            </a:br>
+            <a:r>
+              <a:rPr lang="en-US" altLang="zh-TW" sz="2700" dirty="0"/>
+              <a:t>c. </a:t>
+            </a:r>
+            <a:r>
+              <a:rPr lang="zh-TW" altLang="en-US" sz="2700" dirty="0"/>
+              <a:t>按鈕實驗</a:t>
+            </a:r>
+            <a:br>
+              <a:rPr lang="en-US" altLang="zh-TW" sz="2700" dirty="0"/>
+            </a:br>
+            <a:r>
+              <a:rPr lang="en-US" altLang="zh-TW" sz="2700" dirty="0"/>
+              <a:t>d. </a:t>
+            </a:r>
+            <a:r>
+              <a:rPr lang="zh-TW" altLang="en-US" sz="2700" dirty="0"/>
+              <a:t>按鈕</a:t>
+            </a:r>
+            <a:r>
+              <a:rPr lang="en-US" altLang="zh-TW" sz="2700" dirty="0"/>
+              <a:t>+LED</a:t>
+            </a:r>
+            <a:r>
+              <a:rPr lang="zh-TW" altLang="en-US" sz="2700" dirty="0"/>
+              <a:t>實驗</a:t>
+            </a:r>
+            <a:br>
+              <a:rPr lang="en-US" altLang="zh-TW" sz="2700" dirty="0"/>
+            </a:br>
+            <a:r>
+              <a:rPr lang="en-US" altLang="zh-TW" sz="2700" dirty="0"/>
+              <a:t>e. </a:t>
+            </a:r>
+            <a:r>
+              <a:rPr lang="zh-TW" altLang="en-US" sz="2700" dirty="0"/>
+              <a:t>蜂鳴器實驗</a:t>
+            </a:r>
+            <a:br>
+              <a:rPr lang="en-US" altLang="zh-TW" sz="2700" dirty="0"/>
+            </a:br>
+            <a:r>
+              <a:rPr lang="en-US" altLang="zh-TW" sz="2700" dirty="0"/>
+              <a:t>f.  DHT11 </a:t>
+            </a:r>
+            <a:r>
+              <a:rPr lang="zh-TW" altLang="en-US" sz="2700" dirty="0"/>
+              <a:t>溫溼度感測</a:t>
+            </a:r>
+            <a:br>
+              <a:rPr lang="en-US" altLang="zh-TW" sz="2700" dirty="0"/>
+            </a:br>
+            <a:r>
+              <a:rPr lang="en-US" altLang="zh-TW" sz="2700" dirty="0"/>
+              <a:t>g. DHT11 &amp;&amp; restful</a:t>
+            </a:r>
+            <a:br>
+              <a:rPr lang="en-US" altLang="zh-TW" sz="2700" dirty="0"/>
+            </a:br>
+            <a:br>
+              <a:rPr lang="en-US" altLang="zh-TW" sz="2700" dirty="0"/>
+            </a:br>
+            <a:br>
+              <a:rPr lang="en-US" altLang="zh-TW" sz="2700" dirty="0"/>
+            </a:br>
+            <a:br>
+              <a:rPr lang="en-US" altLang="zh-TW" sz="2700" dirty="0"/>
+            </a:br>
+            <a:r>
+              <a:rPr lang="en-US" altLang="zh-TW" sz="2700" dirty="0"/>
+              <a:t>h. </a:t>
+            </a:r>
+            <a:r>
+              <a:rPr lang="zh-TW" altLang="en-US" sz="2700" dirty="0"/>
+              <a:t>光敏電阻 </a:t>
+            </a:r>
+            <a:r>
+              <a:rPr lang="en-US" altLang="zh-TW" sz="2700" dirty="0"/>
+              <a:t>&amp;&amp;</a:t>
+            </a:r>
+            <a:r>
+              <a:rPr lang="zh-TW" altLang="en-US" sz="2700" dirty="0"/>
+              <a:t> 自動小夜燈</a:t>
+            </a:r>
+            <a:br>
+              <a:rPr lang="en-US" altLang="zh-TW" sz="2700" dirty="0"/>
+            </a:br>
+            <a:r>
+              <a:rPr lang="en-US" altLang="zh-TW" sz="2700" dirty="0"/>
+              <a:t>i.  </a:t>
+            </a:r>
+            <a:r>
+              <a:rPr lang="zh-TW" altLang="en-US" sz="2700" dirty="0"/>
+              <a:t>超音波測距 </a:t>
+            </a:r>
+            <a:r>
+              <a:rPr lang="en-US" altLang="zh-TW" sz="2700" dirty="0"/>
+              <a:t>&amp;&amp;</a:t>
+            </a:r>
+            <a:r>
+              <a:rPr lang="zh-TW" altLang="en-US" sz="2700" dirty="0"/>
+              <a:t> 電子尺</a:t>
+            </a:r>
+            <a:br>
+              <a:rPr lang="en-US" altLang="zh-TW" sz="2700" dirty="0"/>
+            </a:br>
+            <a:r>
+              <a:rPr lang="en-US" altLang="zh-TW" sz="2700" dirty="0"/>
+              <a:t>j. </a:t>
+            </a:r>
+            <a:r>
+              <a:rPr lang="en-US" altLang="zh-TW" sz="2700" dirty="0" err="1"/>
+              <a:t>ThingSpeak</a:t>
+            </a:r>
+            <a:br>
+              <a:rPr lang="en-US" altLang="zh-TW" sz="2700" dirty="0"/>
+            </a:br>
+            <a:r>
+              <a:rPr lang="en-US" altLang="zh-TW" sz="2700" dirty="0"/>
+              <a:t>k.  MQTT</a:t>
+            </a:r>
+            <a:br>
+              <a:rPr lang="en-US" altLang="zh-TW" dirty="0"/>
+            </a:br>
+            <a:endParaRPr lang="zh-TW" altLang="en-US" dirty="0"/>
+          </a:p>
+        </p:txBody>
+      </p:sp>
+    </p:spTree>
+    <p:extLst>
+      <p:ext uri="{BB962C8B-B14F-4D97-AF65-F5344CB8AC3E}">
+        <p14:creationId xmlns:p14="http://schemas.microsoft.com/office/powerpoint/2010/main" val="3741684040"/>
+      </p:ext>
+    </p:extLst>
+  </p:cSld>
+  <p:clrMapOvr>
+    <a:masterClrMapping/>
+  </p:clrMapOvr>
+</p:sld>
+</file>
+
+<file path=ppt/slides/slide30.xml><?xml version="1.0" encoding="utf-8"?>
+<p:sld xmlns:a="http://schemas.openxmlformats.org/drawingml/2006/main" xmlns:r="http://schemas.openxmlformats.org/officeDocument/2006/relationships" xmlns:p="http://schemas.openxmlformats.org/presentationml/2006/main">
+  <p:cSld>
+    <p:spTree>
+      <p:nvGrpSpPr>
+        <p:cNvPr id="1" name=""/>
+        <p:cNvGrpSpPr/>
+        <p:nvPr/>
+      </p:nvGrpSpPr>
+      <p:grpSpPr>
+        <a:xfrm>
+          <a:off x="0" y="0"/>
+          <a:ext cx="0" cy="0"/>
+          <a:chOff x="0" y="0"/>
+          <a:chExt cx="0" cy="0"/>
+        </a:xfrm>
+      </p:grpSpPr>
+      <p:sp>
+        <p:nvSpPr>
+          <p:cNvPr id="2" name="標題 1">
+            <a:extLst>
+              <a:ext uri="{FF2B5EF4-FFF2-40B4-BE49-F238E27FC236}">
+                <a16:creationId xmlns:a16="http://schemas.microsoft.com/office/drawing/2014/main" id="{65D32480-D825-4D0B-A56C-AFA646E0C6D1}"/>
+              </a:ext>
+            </a:extLst>
+          </p:cNvPr>
+          <p:cNvSpPr>
+            <a:spLocks noGrp="1"/>
+          </p:cNvSpPr>
+          <p:nvPr>
+            <p:ph type="title"/>
+          </p:nvPr>
+        </p:nvSpPr>
+        <p:spPr/>
+        <p:txBody>
+          <a:bodyPr/>
+          <a:lstStyle/>
+          <a:p>
+            <a:endParaRPr lang="zh-TW" altLang="en-US" dirty="0"/>
+          </a:p>
+        </p:txBody>
+      </p:sp>
+      <p:sp>
+        <p:nvSpPr>
+          <p:cNvPr id="3" name="內容版面配置區 2">
+            <a:extLst>
+              <a:ext uri="{FF2B5EF4-FFF2-40B4-BE49-F238E27FC236}">
+                <a16:creationId xmlns:a16="http://schemas.microsoft.com/office/drawing/2014/main" id="{453FA1EE-A5E8-4F73-9EDA-9EB2C8A93D72}"/>
+              </a:ext>
+            </a:extLst>
+          </p:cNvPr>
+          <p:cNvSpPr>
+            <a:spLocks noGrp="1"/>
+          </p:cNvSpPr>
+          <p:nvPr>
+            <p:ph idx="1"/>
+          </p:nvPr>
+        </p:nvSpPr>
+        <p:spPr/>
+        <p:txBody>
+          <a:bodyPr/>
+          <a:lstStyle/>
+          <a:p>
+            <a:r>
+              <a:rPr lang="zh-TW" altLang="en-US" dirty="0"/>
+              <a:t>斷電、拔掉 </a:t>
+            </a:r>
+            <a:r>
+              <a:rPr lang="en-US" altLang="zh-TW" dirty="0"/>
+              <a:t>GPIO0</a:t>
+            </a:r>
+            <a:r>
+              <a:rPr lang="zh-TW" altLang="en-US" dirty="0"/>
+              <a:t>接地線</a:t>
+            </a:r>
+            <a:endParaRPr lang="en-US" altLang="zh-TW" dirty="0"/>
+          </a:p>
+          <a:p>
+            <a:endParaRPr lang="en-US" altLang="zh-TW" dirty="0"/>
+          </a:p>
+          <a:p>
+            <a:r>
+              <a:rPr lang="zh-TW" altLang="en-US" dirty="0"/>
+              <a:t>重上電</a:t>
+            </a:r>
+          </a:p>
+        </p:txBody>
+      </p:sp>
+    </p:spTree>
+    <p:extLst>
+      <p:ext uri="{BB962C8B-B14F-4D97-AF65-F5344CB8AC3E}">
+        <p14:creationId xmlns:p14="http://schemas.microsoft.com/office/powerpoint/2010/main" val="2398335775"/>
+      </p:ext>
+    </p:extLst>
+  </p:cSld>
+  <p:clrMapOvr>
+    <a:masterClrMapping/>
+  </p:clrMapOvr>
+</p:sld>
+</file>
+
+<file path=ppt/slides/slide31.xml><?xml version="1.0" encoding="utf-8"?>
+<p:sld xmlns:a="http://schemas.openxmlformats.org/drawingml/2006/main" xmlns:r="http://schemas.openxmlformats.org/officeDocument/2006/relationships" xmlns:p="http://schemas.openxmlformats.org/presentationml/2006/main">
+  <p:cSld>
+    <p:spTree>
+      <p:nvGrpSpPr>
+        <p:cNvPr id="1" name=""/>
+        <p:cNvGrpSpPr/>
+        <p:nvPr/>
+      </p:nvGrpSpPr>
+      <p:grpSpPr>
+        <a:xfrm>
+          <a:off x="0" y="0"/>
+          <a:ext cx="0" cy="0"/>
+          <a:chOff x="0" y="0"/>
+          <a:chExt cx="0" cy="0"/>
+        </a:xfrm>
+      </p:grpSpPr>
+      <p:sp>
+        <p:nvSpPr>
+          <p:cNvPr id="2" name="標題 1">
+            <a:extLst>
+              <a:ext uri="{FF2B5EF4-FFF2-40B4-BE49-F238E27FC236}">
+                <a16:creationId xmlns:a16="http://schemas.microsoft.com/office/drawing/2014/main" id="{C807B03D-A4E5-429F-BB8F-FEC623E322EE}"/>
+              </a:ext>
+            </a:extLst>
+          </p:cNvPr>
+          <p:cNvSpPr>
+            <a:spLocks noGrp="1"/>
+          </p:cNvSpPr>
+          <p:nvPr>
+            <p:ph type="title"/>
+          </p:nvPr>
+        </p:nvSpPr>
+        <p:spPr/>
+        <p:txBody>
+          <a:bodyPr/>
+          <a:lstStyle/>
+          <a:p>
+            <a:r>
+              <a:rPr lang="en-US" altLang="zh-TW" dirty="0" err="1"/>
+              <a:t>Ampy</a:t>
+            </a:r>
+            <a:r>
+              <a:rPr lang="en-US" altLang="zh-TW" dirty="0"/>
+              <a:t> test</a:t>
+            </a:r>
+            <a:endParaRPr lang="zh-TW" altLang="en-US" dirty="0"/>
+          </a:p>
+        </p:txBody>
+      </p:sp>
+      <p:pic>
+        <p:nvPicPr>
+          <p:cNvPr id="5" name="內容版面配置區 4" descr="一張含有 螢幕擷取畫面 的圖片&#10;&#10;自動產生的描述">
+            <a:extLst>
+              <a:ext uri="{FF2B5EF4-FFF2-40B4-BE49-F238E27FC236}">
+                <a16:creationId xmlns:a16="http://schemas.microsoft.com/office/drawing/2014/main" id="{84C30CFA-D30F-4993-AECE-123896AEBE68}"/>
+              </a:ext>
+            </a:extLst>
+          </p:cNvPr>
+          <p:cNvPicPr>
+            <a:picLocks noGrp="1" noChangeAspect="1"/>
+          </p:cNvPicPr>
+          <p:nvPr>
+            <p:ph idx="1"/>
+          </p:nvPr>
+        </p:nvPicPr>
+        <p:blipFill>
+          <a:blip r:embed="rId2">
+            <a:extLst>
+              <a:ext uri="{28A0092B-C50C-407E-A947-70E740481C1C}">
+                <a14:useLocalDpi xmlns:a14="http://schemas.microsoft.com/office/drawing/2010/main" val="0"/>
+              </a:ext>
+            </a:extLst>
+          </a:blip>
+          <a:stretch>
+            <a:fillRect/>
+          </a:stretch>
+        </p:blipFill>
+        <p:spPr>
+          <a:xfrm>
+            <a:off x="457200" y="1704929"/>
+            <a:ext cx="8229600" cy="4316505"/>
+          </a:xfrm>
+        </p:spPr>
+      </p:pic>
+    </p:spTree>
+    <p:extLst>
+      <p:ext uri="{BB962C8B-B14F-4D97-AF65-F5344CB8AC3E}">
+        <p14:creationId xmlns:p14="http://schemas.microsoft.com/office/powerpoint/2010/main" val="1314457049"/>
+      </p:ext>
+    </p:extLst>
+  </p:cSld>
+  <p:clrMapOvr>
+    <a:masterClrMapping/>
+  </p:clrMapOvr>
+</p:sld>
+</file>
+
+<file path=ppt/slides/slide32.xml><?xml version="1.0" encoding="utf-8"?>
+<p:sld xmlns:a="http://schemas.openxmlformats.org/drawingml/2006/main" xmlns:r="http://schemas.openxmlformats.org/officeDocument/2006/relationships" xmlns:p="http://schemas.openxmlformats.org/presentationml/2006/main">
+  <p:cSld>
+    <p:spTree>
+      <p:nvGrpSpPr>
+        <p:cNvPr id="1" name=""/>
+        <p:cNvGrpSpPr/>
+        <p:nvPr/>
+      </p:nvGrpSpPr>
+      <p:grpSpPr>
+        <a:xfrm>
+          <a:off x="0" y="0"/>
+          <a:ext cx="0" cy="0"/>
+          <a:chOff x="0" y="0"/>
+          <a:chExt cx="0" cy="0"/>
+        </a:xfrm>
+      </p:grpSpPr>
+      <p:sp>
+        <p:nvSpPr>
           <p:cNvPr id="4" name="標題 3"/>
           <p:cNvSpPr>
             <a:spLocks noGrp="1"/>
@@ -11488,7 +13127,7 @@
 </p:sld>
 </file>
 
-<file path=ppt/slides/slide23.xml><?xml version="1.0" encoding="utf-8"?>
+<file path=ppt/slides/slide33.xml><?xml version="1.0" encoding="utf-8"?>
 <p:sld xmlns:a="http://schemas.openxmlformats.org/drawingml/2006/main" xmlns:r="http://schemas.openxmlformats.org/officeDocument/2006/relationships" xmlns:p="http://schemas.openxmlformats.org/presentationml/2006/main">
   <p:cSld>
     <p:spTree>
@@ -11636,7 +13275,7 @@
 </p:sld>
 </file>
 
-<file path=ppt/slides/slide24.xml><?xml version="1.0" encoding="utf-8"?>
+<file path=ppt/slides/slide34.xml><?xml version="1.0" encoding="utf-8"?>
 <p:sld xmlns:a="http://schemas.openxmlformats.org/drawingml/2006/main" xmlns:r="http://schemas.openxmlformats.org/officeDocument/2006/relationships" xmlns:p="http://schemas.openxmlformats.org/presentationml/2006/main">
   <p:cSld>
     <p:spTree>
@@ -11711,7 +13350,7 @@
 </p:sld>
 </file>
 
-<file path=ppt/slides/slide25.xml><?xml version="1.0" encoding="utf-8"?>
+<file path=ppt/slides/slide35.xml><?xml version="1.0" encoding="utf-8"?>
 <p:sld xmlns:a="http://schemas.openxmlformats.org/drawingml/2006/main" xmlns:r="http://schemas.openxmlformats.org/officeDocument/2006/relationships" xmlns:p="http://schemas.openxmlformats.org/presentationml/2006/main">
   <p:cSld>
     <p:spTree>
@@ -11897,7 +13536,7 @@
 </p:sld>
 </file>
 
-<file path=ppt/slides/slide26.xml><?xml version="1.0" encoding="utf-8"?>
+<file path=ppt/slides/slide36.xml><?xml version="1.0" encoding="utf-8"?>
 <p:sld xmlns:a="http://schemas.openxmlformats.org/drawingml/2006/main" xmlns:r="http://schemas.openxmlformats.org/officeDocument/2006/relationships" xmlns:p="http://schemas.openxmlformats.org/presentationml/2006/main">
   <p:cSld>
     <p:spTree>
@@ -12152,7 +13791,7 @@
 </p:sld>
 </file>
 
-<file path=ppt/slides/slide27.xml><?xml version="1.0" encoding="utf-8"?>
+<file path=ppt/slides/slide37.xml><?xml version="1.0" encoding="utf-8"?>
 <p:sld xmlns:a="http://schemas.openxmlformats.org/drawingml/2006/main" xmlns:r="http://schemas.openxmlformats.org/officeDocument/2006/relationships" xmlns:p="http://schemas.openxmlformats.org/presentationml/2006/main">
   <p:cSld>
     <p:spTree>
@@ -12259,7 +13898,7 @@
 </p:sld>
 </file>
 
-<file path=ppt/slides/slide28.xml><?xml version="1.0" encoding="utf-8"?>
+<file path=ppt/slides/slide38.xml><?xml version="1.0" encoding="utf-8"?>
 <p:sld xmlns:a="http://schemas.openxmlformats.org/drawingml/2006/main" xmlns:r="http://schemas.openxmlformats.org/officeDocument/2006/relationships" xmlns:p="http://schemas.openxmlformats.org/presentationml/2006/main">
   <p:cSld>
     <p:spTree>
@@ -12383,209 +14022,6 @@
     <p:extLst>
       <p:ext uri="{BB962C8B-B14F-4D97-AF65-F5344CB8AC3E}">
         <p14:creationId xmlns:p14="http://schemas.microsoft.com/office/powerpoint/2010/main" val="1931187438"/>
-      </p:ext>
-    </p:extLst>
-  </p:cSld>
-  <p:clrMapOvr>
-    <a:masterClrMapping/>
-  </p:clrMapOvr>
-</p:sld>
-</file>
-
-<file path=ppt/slides/slide3.xml><?xml version="1.0" encoding="utf-8"?>
-<p:sld xmlns:a="http://schemas.openxmlformats.org/drawingml/2006/main" xmlns:r="http://schemas.openxmlformats.org/officeDocument/2006/relationships" xmlns:p="http://schemas.openxmlformats.org/presentationml/2006/main">
-  <p:cSld>
-    <p:spTree>
-      <p:nvGrpSpPr>
-        <p:cNvPr id="1" name=""/>
-        <p:cNvGrpSpPr/>
-        <p:nvPr/>
-      </p:nvGrpSpPr>
-      <p:grpSpPr>
-        <a:xfrm>
-          <a:off x="0" y="0"/>
-          <a:ext cx="0" cy="0"/>
-          <a:chOff x="0" y="0"/>
-          <a:chExt cx="0" cy="0"/>
-        </a:xfrm>
-      </p:grpSpPr>
-      <p:sp>
-        <p:nvSpPr>
-          <p:cNvPr id="2" name="標題 1"/>
-          <p:cNvSpPr>
-            <a:spLocks noGrp="1"/>
-          </p:cNvSpPr>
-          <p:nvPr>
-            <p:ph type="title"/>
-          </p:nvPr>
-        </p:nvSpPr>
-        <p:spPr>
-          <a:xfrm>
-            <a:off x="1115616" y="1124744"/>
-            <a:ext cx="7128792" cy="4480358"/>
-          </a:xfrm>
-        </p:spPr>
-        <p:txBody>
-          <a:bodyPr numCol="2">
-            <a:normAutofit/>
-          </a:bodyPr>
-          <a:lstStyle/>
-          <a:p>
-            <a:pPr algn="l"/>
-            <a:r>
-              <a:rPr lang="en-US" altLang="zh-TW" sz="2700" dirty="0"/>
-              <a:t>a. LED</a:t>
-            </a:r>
-            <a:r>
-              <a:rPr lang="zh-TW" altLang="en-US" sz="2700" dirty="0"/>
-              <a:t>閃爍</a:t>
-            </a:r>
-            <a:br>
-              <a:rPr lang="en-US" altLang="zh-TW" sz="2700" dirty="0"/>
-            </a:br>
-            <a:r>
-              <a:rPr lang="en-US" altLang="zh-TW" sz="2700" dirty="0"/>
-              <a:t>b. LED PWM </a:t>
-            </a:r>
-            <a:r>
-              <a:rPr lang="zh-TW" altLang="en-US" sz="2700" dirty="0"/>
-              <a:t>亮度實驗</a:t>
-            </a:r>
-            <a:br>
-              <a:rPr lang="en-US" altLang="zh-TW" sz="2700" dirty="0"/>
-            </a:br>
-            <a:r>
-              <a:rPr lang="en-US" altLang="zh-TW" sz="2700" dirty="0"/>
-              <a:t>c. </a:t>
-            </a:r>
-            <a:r>
-              <a:rPr lang="zh-TW" altLang="en-US" sz="2700" dirty="0"/>
-              <a:t>按鈕實驗</a:t>
-            </a:r>
-            <a:br>
-              <a:rPr lang="en-US" altLang="zh-TW" sz="2700" dirty="0"/>
-            </a:br>
-            <a:r>
-              <a:rPr lang="en-US" altLang="zh-TW" sz="2700" dirty="0"/>
-              <a:t>d. </a:t>
-            </a:r>
-            <a:r>
-              <a:rPr lang="zh-TW" altLang="en-US" sz="2700" dirty="0"/>
-              <a:t>按鈕</a:t>
-            </a:r>
-            <a:r>
-              <a:rPr lang="en-US" altLang="zh-TW" sz="2700" dirty="0"/>
-              <a:t>+LED</a:t>
-            </a:r>
-            <a:r>
-              <a:rPr lang="zh-TW" altLang="en-US" sz="2700" dirty="0"/>
-              <a:t>實驗</a:t>
-            </a:r>
-            <a:br>
-              <a:rPr lang="en-US" altLang="zh-TW" sz="2700" dirty="0"/>
-            </a:br>
-            <a:r>
-              <a:rPr lang="en-US" altLang="zh-TW" sz="2700" dirty="0"/>
-              <a:t>e. </a:t>
-            </a:r>
-            <a:r>
-              <a:rPr lang="zh-TW" altLang="en-US" sz="2700" dirty="0"/>
-              <a:t>蜂鳴器實驗</a:t>
-            </a:r>
-            <a:br>
-              <a:rPr lang="en-US" altLang="zh-TW" sz="2700" dirty="0"/>
-            </a:br>
-            <a:r>
-              <a:rPr lang="en-US" altLang="zh-TW" sz="2700" dirty="0"/>
-              <a:t>f.  DHT11 </a:t>
-            </a:r>
-            <a:r>
-              <a:rPr lang="zh-TW" altLang="en-US" sz="2700" dirty="0"/>
-              <a:t>溫溼度感測</a:t>
-            </a:r>
-            <a:br>
-              <a:rPr lang="en-US" altLang="zh-TW" sz="2700" dirty="0"/>
-            </a:br>
-            <a:r>
-              <a:rPr lang="en-US" altLang="zh-TW" sz="2700" dirty="0"/>
-              <a:t>g. DHT11 &amp;&amp; restful</a:t>
-            </a:r>
-            <a:br>
-              <a:rPr lang="en-US" altLang="zh-TW" sz="2700" dirty="0"/>
-            </a:br>
-            <a:br>
-              <a:rPr lang="en-US" altLang="zh-TW" sz="2700" dirty="0"/>
-            </a:br>
-            <a:br>
-              <a:rPr lang="en-US" altLang="zh-TW" sz="2700" dirty="0"/>
-            </a:br>
-            <a:br>
-              <a:rPr lang="en-US" altLang="zh-TW" sz="2700" dirty="0"/>
-            </a:br>
-            <a:r>
-              <a:rPr lang="en-US" altLang="zh-TW" sz="2700" dirty="0"/>
-              <a:t>h. </a:t>
-            </a:r>
-            <a:r>
-              <a:rPr lang="zh-TW" altLang="en-US" sz="2700" dirty="0"/>
-              <a:t>光敏電阻 </a:t>
-            </a:r>
-            <a:r>
-              <a:rPr lang="en-US" altLang="zh-TW" sz="2700" dirty="0"/>
-              <a:t>&amp;&amp;</a:t>
-            </a:r>
-            <a:r>
-              <a:rPr lang="zh-TW" altLang="en-US" sz="2700" dirty="0"/>
-              <a:t> 自動小夜燈</a:t>
-            </a:r>
-            <a:br>
-              <a:rPr lang="en-US" altLang="zh-TW" sz="2700" dirty="0"/>
-            </a:br>
-            <a:r>
-              <a:rPr lang="en-US" altLang="zh-TW" sz="2700" dirty="0"/>
-              <a:t>i.  </a:t>
-            </a:r>
-            <a:r>
-              <a:rPr lang="zh-TW" altLang="en-US" sz="2700" dirty="0"/>
-              <a:t>超音波測距 </a:t>
-            </a:r>
-            <a:r>
-              <a:rPr lang="en-US" altLang="zh-TW" sz="2700" dirty="0"/>
-              <a:t>&amp;&amp;</a:t>
-            </a:r>
-            <a:r>
-              <a:rPr lang="zh-TW" altLang="en-US" sz="2700" dirty="0"/>
-              <a:t> 電子尺</a:t>
-            </a:r>
-            <a:br>
-              <a:rPr lang="en-US" altLang="zh-TW" sz="2700" dirty="0"/>
-            </a:br>
-            <a:r>
-              <a:rPr lang="en-US" altLang="zh-TW" sz="2700" dirty="0"/>
-              <a:t>j. </a:t>
-            </a:r>
-            <a:r>
-              <a:rPr lang="en-US" altLang="zh-TW" sz="2700" dirty="0" err="1"/>
-              <a:t>ThingSpeak</a:t>
-            </a:r>
-            <a:br>
-              <a:rPr lang="en-US" altLang="zh-TW" sz="2700" dirty="0"/>
-            </a:br>
-            <a:r>
-              <a:rPr lang="en-US" altLang="zh-TW" sz="2700" dirty="0"/>
-              <a:t>k.  MQTT</a:t>
-            </a:r>
-            <a:br>
-              <a:rPr lang="en-US" altLang="zh-TW" dirty="0"/>
-            </a:br>
-            <a:endParaRPr lang="zh-TW" altLang="en-US" dirty="0"/>
-          </a:p>
-        </p:txBody>
-      </p:sp>
-    </p:spTree>
-    <p:extLst>
-      <p:ext uri="{BB962C8B-B14F-4D97-AF65-F5344CB8AC3E}">
-        <p14:creationId xmlns:p14="http://schemas.microsoft.com/office/powerpoint/2010/main" val="3741684040"/>
       </p:ext>
     </p:extLst>
   </p:cSld>
@@ -15139,4 +16575,299 @@
     </a:ext>
   </a:extLst>
 </a:theme>
+</file>
+
+<file path=ppt/theme/theme3.xml><?xml version="1.0" encoding="utf-8"?>
+<a:theme xmlns:a="http://schemas.openxmlformats.org/drawingml/2006/main" name="Office 佈景主題">
+  <a:themeElements>
+    <a:clrScheme name="Office">
+      <a:dk1>
+        <a:sysClr val="windowText" lastClr="000000"/>
+      </a:dk1>
+      <a:lt1>
+        <a:sysClr val="window" lastClr="FFFFFF"/>
+      </a:lt1>
+      <a:dk2>
+        <a:srgbClr val="44546A"/>
+      </a:dk2>
+      <a:lt2>
+        <a:srgbClr val="E7E6E6"/>
+      </a:lt2>
+      <a:accent1>
+        <a:srgbClr val="4472C4"/>
+      </a:accent1>
+      <a:accent2>
+        <a:srgbClr val="ED7D31"/>
+      </a:accent2>
+      <a:accent3>
+        <a:srgbClr val="A5A5A5"/>
+      </a:accent3>
+      <a:accent4>
+        <a:srgbClr val="FFC000"/>
+      </a:accent4>
+      <a:accent5>
+        <a:srgbClr val="5B9BD5"/>
+      </a:accent5>
+      <a:accent6>
+        <a:srgbClr val="70AD47"/>
+      </a:accent6>
+      <a:hlink>
+        <a:srgbClr val="0563C1"/>
+      </a:hlink>
+      <a:folHlink>
+        <a:srgbClr val="954F72"/>
+      </a:folHlink>
+    </a:clrScheme>
+    <a:fontScheme name="Office">
+      <a:majorFont>
+        <a:latin typeface="Calibri Light" panose="020F0302020204030204"/>
+        <a:ea typeface=""/>
+        <a:cs typeface=""/>
+        <a:font script="Jpan" typeface="游ゴシック Light"/>
+        <a:font script="Hang" typeface="맑은 고딕"/>
+        <a:font script="Hans" typeface="等线 Light"/>
+        <a:font script="Hant" typeface="新細明體"/>
+        <a:font script="Arab" typeface="Times New Roman"/>
+        <a:font script="Hebr" typeface="Times New Roman"/>
+        <a:font script="Thai" typeface="Angsana New"/>
+        <a:font script="Ethi" typeface="Nyala"/>
+        <a:font script="Beng" typeface="Vrinda"/>
+        <a:font script="Gujr" typeface="Shruti"/>
+        <a:font script="Khmr" typeface="MoolBoran"/>
+        <a:font script="Knda" typeface="Tunga"/>
+        <a:font script="Guru" typeface="Raavi"/>
+        <a:font script="Cans" typeface="Euphemia"/>
+        <a:font script="Cher" typeface="Plantagenet Cherokee"/>
+        <a:font script="Yiii" typeface="Microsoft Yi Baiti"/>
+        <a:font script="Tibt" typeface="Microsoft Himalaya"/>
+        <a:font script="Thaa" typeface="MV Boli"/>
+        <a:font script="Deva" typeface="Mangal"/>
+        <a:font script="Telu" typeface="Gautami"/>
+        <a:font script="Taml" typeface="Latha"/>
+        <a:font script="Syrc" typeface="Estrangelo Edessa"/>
+        <a:font script="Orya" typeface="Kalinga"/>
+        <a:font script="Mlym" typeface="Kartika"/>
+        <a:font script="Laoo" typeface="DokChampa"/>
+        <a:font script="Sinh" typeface="Iskoola Pota"/>
+        <a:font script="Mong" typeface="Mongolian Baiti"/>
+        <a:font script="Viet" typeface="Times New Roman"/>
+        <a:font script="Uigh" typeface="Microsoft Uighur"/>
+        <a:font script="Geor" typeface="Sylfaen"/>
+        <a:font script="Armn" typeface="Arial"/>
+        <a:font script="Bugi" typeface="Leelawadee UI"/>
+        <a:font script="Bopo" typeface="Microsoft JhengHei"/>
+        <a:font script="Java" typeface="Javanese Text"/>
+        <a:font script="Lisu" typeface="Segoe UI"/>
+        <a:font script="Mymr" typeface="Myanmar Text"/>
+        <a:font script="Nkoo" typeface="Ebrima"/>
+        <a:font script="Olck" typeface="Nirmala UI"/>
+        <a:font script="Osma" typeface="Ebrima"/>
+        <a:font script="Phag" typeface="Phagspa"/>
+        <a:font script="Syrn" typeface="Estrangelo Edessa"/>
+        <a:font script="Syrj" typeface="Estrangelo Edessa"/>
+        <a:font script="Syre" typeface="Estrangelo Edessa"/>
+        <a:font script="Sora" typeface="Nirmala UI"/>
+        <a:font script="Tale" typeface="Microsoft Tai Le"/>
+        <a:font script="Talu" typeface="Microsoft New Tai Lue"/>
+        <a:font script="Tfng" typeface="Ebrima"/>
+      </a:majorFont>
+      <a:minorFont>
+        <a:latin typeface="Calibri" panose="020F0502020204030204"/>
+        <a:ea typeface=""/>
+        <a:cs typeface=""/>
+        <a:font script="Jpan" typeface="游ゴシック"/>
+        <a:font script="Hang" typeface="맑은 고딕"/>
+        <a:font script="Hans" typeface="等线"/>
+        <a:font script="Hant" typeface="新細明體"/>
+        <a:font script="Arab" typeface="Arial"/>
+        <a:font script="Hebr" typeface="Arial"/>
+        <a:font script="Thai" typeface="Cordia New"/>
+        <a:font script="Ethi" typeface="Nyala"/>
+        <a:font script="Beng" typeface="Vrinda"/>
+        <a:font script="Gujr" typeface="Shruti"/>
+        <a:font script="Khmr" typeface="DaunPenh"/>
+        <a:font script="Knda" typeface="Tunga"/>
+        <a:font script="Guru" typeface="Raavi"/>
+        <a:font script="Cans" typeface="Euphemia"/>
+        <a:font script="Cher" typeface="Plantagenet Cherokee"/>
+        <a:font script="Yiii" typeface="Microsoft Yi Baiti"/>
+        <a:font script="Tibt" typeface="Microsoft Himalaya"/>
+        <a:font script="Thaa" typeface="MV Boli"/>
+        <a:font script="Deva" typeface="Mangal"/>
+        <a:font script="Telu" typeface="Gautami"/>
+        <a:font script="Taml" typeface="Latha"/>
+        <a:font script="Syrc" typeface="Estrangelo Edessa"/>
+        <a:font script="Orya" typeface="Kalinga"/>
+        <a:font script="Mlym" typeface="Kartika"/>
+        <a:font script="Laoo" typeface="DokChampa"/>
+        <a:font script="Sinh" typeface="Iskoola Pota"/>
+        <a:font script="Mong" typeface="Mongolian Baiti"/>
+        <a:font script="Viet" typeface="Arial"/>
+        <a:font script="Uigh" typeface="Microsoft Uighur"/>
+        <a:font script="Geor" typeface="Sylfaen"/>
+        <a:font script="Armn" typeface="Arial"/>
+        <a:font script="Bugi" typeface="Leelawadee UI"/>
+        <a:font script="Bopo" typeface="Microsoft JhengHei"/>
+        <a:font script="Java" typeface="Javanese Text"/>
+        <a:font script="Lisu" typeface="Segoe UI"/>
+        <a:font script="Mymr" typeface="Myanmar Text"/>
+        <a:font script="Nkoo" typeface="Ebrima"/>
+        <a:font script="Olck" typeface="Nirmala UI"/>
+        <a:font script="Osma" typeface="Ebrima"/>
+        <a:font script="Phag" typeface="Phagspa"/>
+        <a:font script="Syrn" typeface="Estrangelo Edessa"/>
+        <a:font script="Syrj" typeface="Estrangelo Edessa"/>
+        <a:font script="Syre" typeface="Estrangelo Edessa"/>
+        <a:font script="Sora" typeface="Nirmala UI"/>
+        <a:font script="Tale" typeface="Microsoft Tai Le"/>
+        <a:font script="Talu" typeface="Microsoft New Tai Lue"/>
+        <a:font script="Tfng" typeface="Ebrima"/>
+      </a:minorFont>
+    </a:fontScheme>
+    <a:fmtScheme name="Office">
+      <a:fillStyleLst>
+        <a:solidFill>
+          <a:schemeClr val="phClr"/>
+        </a:solidFill>
+        <a:gradFill rotWithShape="1">
+          <a:gsLst>
+            <a:gs pos="0">
+              <a:schemeClr val="phClr">
+                <a:lumMod val="110000"/>
+                <a:satMod val="105000"/>
+                <a:tint val="67000"/>
+              </a:schemeClr>
+            </a:gs>
+            <a:gs pos="50000">
+              <a:schemeClr val="phClr">
+                <a:lumMod val="105000"/>
+                <a:satMod val="103000"/>
+                <a:tint val="73000"/>
+              </a:schemeClr>
+            </a:gs>
+            <a:gs pos="100000">
+              <a:schemeClr val="phClr">
+                <a:lumMod val="105000"/>
+                <a:satMod val="109000"/>
+                <a:tint val="81000"/>
+              </a:schemeClr>
+            </a:gs>
+          </a:gsLst>
+          <a:lin ang="5400000" scaled="0"/>
+        </a:gradFill>
+        <a:gradFill rotWithShape="1">
+          <a:gsLst>
+            <a:gs pos="0">
+              <a:schemeClr val="phClr">
+                <a:satMod val="103000"/>
+                <a:lumMod val="102000"/>
+                <a:tint val="94000"/>
+              </a:schemeClr>
+            </a:gs>
+            <a:gs pos="50000">
+              <a:schemeClr val="phClr">
+                <a:satMod val="110000"/>
+                <a:lumMod val="100000"/>
+                <a:shade val="100000"/>
+              </a:schemeClr>
+            </a:gs>
+            <a:gs pos="100000">
+              <a:schemeClr val="phClr">
+                <a:lumMod val="99000"/>
+                <a:satMod val="120000"/>
+                <a:shade val="78000"/>
+              </a:schemeClr>
+            </a:gs>
+          </a:gsLst>
+          <a:lin ang="5400000" scaled="0"/>
+        </a:gradFill>
+      </a:fillStyleLst>
+      <a:lnStyleLst>
+        <a:ln w="6350" cap="flat" cmpd="sng" algn="ctr">
+          <a:solidFill>
+            <a:schemeClr val="phClr"/>
+          </a:solidFill>
+          <a:prstDash val="solid"/>
+          <a:miter lim="800000"/>
+        </a:ln>
+        <a:ln w="12700" cap="flat" cmpd="sng" algn="ctr">
+          <a:solidFill>
+            <a:schemeClr val="phClr"/>
+          </a:solidFill>
+          <a:prstDash val="solid"/>
+          <a:miter lim="800000"/>
+        </a:ln>
+        <a:ln w="19050" cap="flat" cmpd="sng" algn="ctr">
+          <a:solidFill>
+            <a:schemeClr val="phClr"/>
+          </a:solidFill>
+          <a:prstDash val="solid"/>
+          <a:miter lim="800000"/>
+        </a:ln>
+      </a:lnStyleLst>
+      <a:effectStyleLst>
+        <a:effectStyle>
+          <a:effectLst/>
+        </a:effectStyle>
+        <a:effectStyle>
+          <a:effectLst/>
+        </a:effectStyle>
+        <a:effectStyle>
+          <a:effectLst>
+            <a:outerShdw blurRad="57150" dist="19050" dir="5400000" algn="ctr" rotWithShape="0">
+              <a:srgbClr val="000000">
+                <a:alpha val="63000"/>
+              </a:srgbClr>
+            </a:outerShdw>
+          </a:effectLst>
+        </a:effectStyle>
+      </a:effectStyleLst>
+      <a:bgFillStyleLst>
+        <a:solidFill>
+          <a:schemeClr val="phClr"/>
+        </a:solidFill>
+        <a:solidFill>
+          <a:schemeClr val="phClr">
+            <a:tint val="95000"/>
+            <a:satMod val="170000"/>
+          </a:schemeClr>
+        </a:solidFill>
+        <a:gradFill rotWithShape="1">
+          <a:gsLst>
+            <a:gs pos="0">
+              <a:schemeClr val="phClr">
+                <a:tint val="93000"/>
+                <a:satMod val="150000"/>
+                <a:shade val="98000"/>
+                <a:lumMod val="102000"/>
+              </a:schemeClr>
+            </a:gs>
+            <a:gs pos="50000">
+              <a:schemeClr val="phClr">
+                <a:tint val="98000"/>
+                <a:satMod val="130000"/>
+                <a:shade val="90000"/>
+                <a:lumMod val="103000"/>
+              </a:schemeClr>
+            </a:gs>
+            <a:gs pos="100000">
+              <a:schemeClr val="phClr">
+                <a:shade val="63000"/>
+                <a:satMod val="120000"/>
+              </a:schemeClr>
+            </a:gs>
+          </a:gsLst>
+          <a:lin ang="5400000" scaled="0"/>
+        </a:gradFill>
+      </a:bgFillStyleLst>
+    </a:fmtScheme>
+  </a:themeElements>
+  <a:objectDefaults/>
+  <a:extraClrSchemeLst/>
+  <a:extLst>
+    <a:ext uri="{05A4C25C-085E-4340-85A3-A5531E510DB2}">
+      <thm15:themeFamily xmlns:thm15="http://schemas.microsoft.com/office/thememl/2012/main" name="Office Theme" id="{62F939B6-93AF-4DB8-9C6B-D6C7DFDC589F}" vid="{4A3C46E8-61CC-4603-A589-7422A47A8E4A}"/>
+    </a:ext>
+  </a:extLst>
+</a:theme>
 </file>